--- a/Lecture/Lecture 2/Lecture 2.pptx
+++ b/Lecture/Lecture 2/Lecture 2.pptx
@@ -13,11 +13,11 @@
   </p:handoutMasterIdLst>
   <p:sldIdLst>
     <p:sldId id="320" r:id="rId3"/>
-    <p:sldId id="324" r:id="rId4"/>
-    <p:sldId id="325" r:id="rId5"/>
-    <p:sldId id="330" r:id="rId6"/>
-    <p:sldId id="331" r:id="rId7"/>
-    <p:sldId id="332" r:id="rId8"/>
+    <p:sldId id="325" r:id="rId4"/>
+    <p:sldId id="330" r:id="rId5"/>
+    <p:sldId id="331" r:id="rId6"/>
+    <p:sldId id="332" r:id="rId7"/>
+    <p:sldId id="335" r:id="rId8"/>
     <p:sldId id="333" r:id="rId9"/>
     <p:sldId id="334" r:id="rId10"/>
     <p:sldId id="329" r:id="rId11"/>
@@ -284,7 +284,7 @@
               <a:pPr>
                 <a:defRPr/>
               </a:pPr>
-              <a:t>9/5/2018</a:t>
+              <a:t>1/10/2019</a:t>
             </a:fld>
             <a:endParaRPr lang="en-US" dirty="0"/>
           </a:p>
@@ -496,7 +496,7 @@
               <a:pPr>
                 <a:defRPr/>
               </a:pPr>
-              <a:t>9/5/2018</a:t>
+              <a:t>1/10/2019</a:t>
             </a:fld>
             <a:endParaRPr lang="en-US" dirty="0"/>
           </a:p>
@@ -1015,7 +1015,7 @@
               <a:pPr>
                 <a:defRPr/>
               </a:pPr>
-              <a:t>9/5/2018</a:t>
+              <a:t>1/10/2019</a:t>
             </a:fld>
             <a:endParaRPr lang="en-US" dirty="0"/>
           </a:p>
@@ -1205,7 +1205,7 @@
               <a:pPr>
                 <a:defRPr/>
               </a:pPr>
-              <a:t>9/5/2018</a:t>
+              <a:t>1/10/2019</a:t>
             </a:fld>
             <a:endParaRPr lang="en-US" dirty="0"/>
           </a:p>
@@ -1405,7 +1405,7 @@
               <a:pPr>
                 <a:defRPr/>
               </a:pPr>
-              <a:t>9/5/2018</a:t>
+              <a:t>1/10/2019</a:t>
             </a:fld>
             <a:endParaRPr lang="en-US" dirty="0"/>
           </a:p>
@@ -1673,7 +1673,7 @@
               <a:pPr>
                 <a:defRPr/>
               </a:pPr>
-              <a:t>9/5/2018</a:t>
+              <a:t>1/10/2019</a:t>
             </a:fld>
             <a:endParaRPr lang="en-US" dirty="0">
               <a:solidFill>
@@ -1887,7 +1887,7 @@
               <a:pPr>
                 <a:defRPr/>
               </a:pPr>
-              <a:t>9/5/2018</a:t>
+              <a:t>1/10/2019</a:t>
             </a:fld>
             <a:endParaRPr lang="en-US" dirty="0">
               <a:solidFill>
@@ -2178,7 +2178,7 @@
               <a:pPr>
                 <a:defRPr/>
               </a:pPr>
-              <a:t>9/5/2018</a:t>
+              <a:t>1/10/2019</a:t>
             </a:fld>
             <a:endParaRPr lang="en-US" dirty="0">
               <a:solidFill>
@@ -2509,7 +2509,7 @@
               <a:pPr>
                 <a:defRPr/>
               </a:pPr>
-              <a:t>9/5/2018</a:t>
+              <a:t>1/10/2019</a:t>
             </a:fld>
             <a:endParaRPr lang="en-US" dirty="0">
               <a:solidFill>
@@ -2974,7 +2974,7 @@
               <a:pPr>
                 <a:defRPr/>
               </a:pPr>
-              <a:t>9/5/2018</a:t>
+              <a:t>1/10/2019</a:t>
             </a:fld>
             <a:endParaRPr lang="en-US" dirty="0">
               <a:solidFill>
@@ -3137,7 +3137,7 @@
               <a:pPr>
                 <a:defRPr/>
               </a:pPr>
-              <a:t>9/5/2018</a:t>
+              <a:t>1/10/2019</a:t>
             </a:fld>
             <a:endParaRPr lang="en-US" dirty="0">
               <a:solidFill>
@@ -3278,7 +3278,7 @@
               <a:pPr>
                 <a:defRPr/>
               </a:pPr>
-              <a:t>9/5/2018</a:t>
+              <a:t>1/10/2019</a:t>
             </a:fld>
             <a:endParaRPr lang="en-US" dirty="0">
               <a:solidFill>
@@ -3599,7 +3599,7 @@
               <a:pPr>
                 <a:defRPr/>
               </a:pPr>
-              <a:t>9/5/2018</a:t>
+              <a:t>1/10/2019</a:t>
             </a:fld>
             <a:endParaRPr lang="en-US" dirty="0">
               <a:solidFill>
@@ -3807,7 +3807,7 @@
               <a:pPr>
                 <a:defRPr/>
               </a:pPr>
-              <a:t>9/5/2018</a:t>
+              <a:t>1/10/2019</a:t>
             </a:fld>
             <a:endParaRPr lang="en-US" dirty="0"/>
           </a:p>
@@ -4090,7 +4090,7 @@
               <a:pPr>
                 <a:defRPr/>
               </a:pPr>
-              <a:t>9/5/2018</a:t>
+              <a:t>1/10/2019</a:t>
             </a:fld>
             <a:endParaRPr lang="en-US" dirty="0">
               <a:solidFill>
@@ -4304,7 +4304,7 @@
               <a:pPr>
                 <a:defRPr/>
               </a:pPr>
-              <a:t>9/5/2018</a:t>
+              <a:t>1/10/2019</a:t>
             </a:fld>
             <a:endParaRPr lang="en-US" dirty="0">
               <a:solidFill>
@@ -4528,7 +4528,7 @@
               <a:pPr>
                 <a:defRPr/>
               </a:pPr>
-              <a:t>9/5/2018</a:t>
+              <a:t>1/10/2019</a:t>
             </a:fld>
             <a:endParaRPr lang="en-US" dirty="0">
               <a:solidFill>
@@ -4738,7 +4738,7 @@
               <a:pPr>
                 <a:defRPr/>
               </a:pPr>
-              <a:t>9/5/2018</a:t>
+              <a:t>1/10/2019</a:t>
             </a:fld>
             <a:endParaRPr lang="en-US" dirty="0">
               <a:solidFill>
@@ -5015,7 +5015,7 @@
               <a:pPr>
                 <a:defRPr/>
               </a:pPr>
-              <a:t>9/5/2018</a:t>
+              <a:t>1/10/2019</a:t>
             </a:fld>
             <a:endParaRPr lang="en-US" dirty="0"/>
           </a:p>
@@ -5322,7 +5322,7 @@
               <a:pPr>
                 <a:defRPr/>
               </a:pPr>
-              <a:t>9/5/2018</a:t>
+              <a:t>1/10/2019</a:t>
             </a:fld>
             <a:endParaRPr lang="en-US" dirty="0"/>
           </a:p>
@@ -5763,7 +5763,7 @@
               <a:pPr>
                 <a:defRPr/>
               </a:pPr>
-              <a:t>9/5/2018</a:t>
+              <a:t>1/10/2019</a:t>
             </a:fld>
             <a:endParaRPr lang="en-US" dirty="0"/>
           </a:p>
@@ -5902,7 +5902,7 @@
               <a:pPr>
                 <a:defRPr/>
               </a:pPr>
-              <a:t>9/5/2018</a:t>
+              <a:t>1/10/2019</a:t>
             </a:fld>
             <a:endParaRPr lang="en-US" dirty="0"/>
           </a:p>
@@ -6019,7 +6019,7 @@
               <a:pPr>
                 <a:defRPr/>
               </a:pPr>
-              <a:t>9/5/2018</a:t>
+              <a:t>1/10/2019</a:t>
             </a:fld>
             <a:endParaRPr lang="en-US" dirty="0"/>
           </a:p>
@@ -6316,7 +6316,7 @@
               <a:pPr>
                 <a:defRPr/>
               </a:pPr>
-              <a:t>9/5/2018</a:t>
+              <a:t>1/10/2019</a:t>
             </a:fld>
             <a:endParaRPr lang="en-US" dirty="0"/>
           </a:p>
@@ -6593,7 +6593,7 @@
               <a:pPr>
                 <a:defRPr/>
               </a:pPr>
-              <a:t>9/5/2018</a:t>
+              <a:t>1/10/2019</a:t>
             </a:fld>
             <a:endParaRPr lang="en-US" dirty="0"/>
           </a:p>
@@ -6850,7 +6850,7 @@
               <a:pPr>
                 <a:defRPr/>
               </a:pPr>
-              <a:t>9/5/2018</a:t>
+              <a:t>1/10/2019</a:t>
             </a:fld>
             <a:endParaRPr lang="en-US" dirty="0"/>
           </a:p>
@@ -7560,7 +7560,7 @@
               <a:pPr>
                 <a:defRPr/>
               </a:pPr>
-              <a:t>9/5/2018</a:t>
+              <a:t>1/10/2019</a:t>
             </a:fld>
             <a:endParaRPr lang="en-US" dirty="0">
               <a:solidFill>
@@ -8577,14 +8577,50 @@
                 <a:ea typeface="+mj-ea"/>
                 <a:cs typeface="+mj-cs"/>
               </a:rPr>
-              <a:t>Who are you?</a:t>
-            </a:r>
-          </a:p>
-        </p:txBody>
-      </p:sp>
-      <p:sp>
-        <p:nvSpPr>
-          <p:cNvPr id="5" name="Content Placeholder 2"/>
+              <a:t>Why are We Here?</a:t>
+            </a:r>
+          </a:p>
+        </p:txBody>
+      </p:sp>
+      <p:pic>
+        <p:nvPicPr>
+          <p:cNvPr id="8" name="Picture 7">
+            <a:extLst>
+              <a:ext uri="{FF2B5EF4-FFF2-40B4-BE49-F238E27FC236}">
+                <a16:creationId xmlns:a16="http://schemas.microsoft.com/office/drawing/2014/main" id="{521D4292-9ECC-4DA5-8CC0-C561A0DA118E}"/>
+              </a:ext>
+            </a:extLst>
+          </p:cNvPr>
+          <p:cNvPicPr>
+            <a:picLocks noChangeAspect="1"/>
+          </p:cNvPicPr>
+          <p:nvPr/>
+        </p:nvPicPr>
+        <p:blipFill rotWithShape="1">
+          <a:blip r:embed="rId3"/>
+          <a:srcRect l="8000" r="9400"/>
+          <a:stretch/>
+        </p:blipFill>
+        <p:spPr>
+          <a:xfrm>
+            <a:off x="660103" y="3048000"/>
+            <a:ext cx="2167974" cy="2624666"/>
+          </a:xfrm>
+          <a:prstGeom prst="rect">
+            <a:avLst/>
+          </a:prstGeom>
+          <a:noFill/>
+        </p:spPr>
+      </p:pic>
+      <p:sp>
+        <p:nvSpPr>
+          <p:cNvPr id="10" name="Content Placeholder 2">
+            <a:extLst>
+              <a:ext uri="{FF2B5EF4-FFF2-40B4-BE49-F238E27FC236}">
+                <a16:creationId xmlns:a16="http://schemas.microsoft.com/office/drawing/2014/main" id="{1B021DFA-01E0-42CE-88F1-8280980D9007}"/>
+              </a:ext>
+            </a:extLst>
+          </p:cNvPr>
           <p:cNvSpPr txBox="1">
             <a:spLocks/>
           </p:cNvSpPr>
@@ -8592,8 +8628,8 @@
         </p:nvSpPr>
         <p:spPr bwMode="auto">
           <a:xfrm>
-            <a:off x="3810000" y="2275853"/>
-            <a:ext cx="4851400" cy="2099733"/>
+            <a:off x="3810000" y="643466"/>
+            <a:ext cx="4851400" cy="5833533"/>
           </a:xfrm>
           <a:prstGeom prst="rect">
             <a:avLst/>
@@ -8759,75 +8795,6 @@
             </a:lvl9pPr>
           </a:lstStyle>
           <a:p>
-            <a:pPr marL="114300" indent="0" algn="ctr" defTabSz="914400" eaLnBrk="1" hangingPunct="1">
-              <a:lnSpc>
-                <a:spcPct val="90000"/>
-              </a:lnSpc>
-              <a:buNone/>
-            </a:pPr>
-            <a:r>
-              <a:rPr lang="en-US" sz="4000" b="1" dirty="0">
-                <a:solidFill>
-                  <a:srgbClr val="404040"/>
-                </a:solidFill>
-                <a:ea typeface="+mn-ea"/>
-                <a:cs typeface="+mn-cs"/>
-              </a:rPr>
-              <a:t>I Still Don’t Know</a:t>
-            </a:r>
-          </a:p>
-          <a:p>
-            <a:pPr marL="114300" indent="0" algn="ctr" defTabSz="914400" eaLnBrk="1" hangingPunct="1">
-              <a:lnSpc>
-                <a:spcPct val="90000"/>
-              </a:lnSpc>
-              <a:buNone/>
-            </a:pPr>
-            <a:endParaRPr lang="en-US" sz="4000" b="1" dirty="0">
-              <a:solidFill>
-                <a:srgbClr val="404040"/>
-              </a:solidFill>
-              <a:ea typeface="+mn-ea"/>
-              <a:cs typeface="+mn-cs"/>
-            </a:endParaRPr>
-          </a:p>
-          <a:p>
-            <a:pPr marL="114300" indent="0" algn="ctr" defTabSz="914400" eaLnBrk="1" hangingPunct="1">
-              <a:lnSpc>
-                <a:spcPct val="90000"/>
-              </a:lnSpc>
-              <a:buNone/>
-            </a:pPr>
-            <a:r>
-              <a:rPr lang="en-US" sz="4000" b="1" dirty="0">
-                <a:solidFill>
-                  <a:srgbClr val="404040"/>
-                </a:solidFill>
-                <a:ea typeface="+mn-ea"/>
-                <a:cs typeface="+mn-cs"/>
-              </a:rPr>
-              <a:t>Fill-out : </a:t>
-            </a:r>
-            <a:r>
-              <a:rPr lang="en-US" sz="4000" b="1" dirty="0">
-                <a:solidFill>
-                  <a:srgbClr val="404040"/>
-                </a:solidFill>
-                <a:ea typeface="+mn-ea"/>
-                <a:cs typeface="+mn-cs"/>
-                <a:hlinkClick r:id="rId3"/>
-              </a:rPr>
-              <a:t>Form</a:t>
-            </a:r>
-            <a:endParaRPr lang="en-US" sz="4000" b="1" dirty="0">
-              <a:solidFill>
-                <a:srgbClr val="404040"/>
-              </a:solidFill>
-              <a:ea typeface="+mn-ea"/>
-              <a:cs typeface="+mn-cs"/>
-            </a:endParaRPr>
-          </a:p>
-          <a:p>
             <a:pPr indent="-228600" defTabSz="914400" eaLnBrk="1" hangingPunct="1">
               <a:lnSpc>
                 <a:spcPct val="90000"/>
@@ -8835,7 +8802,162 @@
               <a:buFont typeface="Arial" panose="020B0604020202020204" pitchFamily="34" charset="0"/>
               <a:buChar char="•"/>
             </a:pPr>
-            <a:endParaRPr lang="en-US" sz="4000" dirty="0">
+            <a:r>
+              <a:rPr lang="en-US" sz="2400" dirty="0">
+                <a:solidFill>
+                  <a:srgbClr val="404040"/>
+                </a:solidFill>
+                <a:ea typeface="+mn-ea"/>
+                <a:cs typeface="+mn-cs"/>
+              </a:rPr>
+              <a:t>To Develop a Personal and Intimate Relationship With R</a:t>
+            </a:r>
+          </a:p>
+          <a:p>
+            <a:pPr marL="114300" indent="0" defTabSz="914400" eaLnBrk="1" hangingPunct="1">
+              <a:lnSpc>
+                <a:spcPct val="90000"/>
+              </a:lnSpc>
+              <a:buNone/>
+            </a:pPr>
+            <a:endParaRPr lang="en-US" sz="2400" dirty="0">
+              <a:solidFill>
+                <a:srgbClr val="404040"/>
+              </a:solidFill>
+            </a:endParaRPr>
+          </a:p>
+          <a:p>
+            <a:pPr indent="-228600" defTabSz="914400" eaLnBrk="1" hangingPunct="1">
+              <a:lnSpc>
+                <a:spcPct val="90000"/>
+              </a:lnSpc>
+              <a:buFont typeface="Arial" panose="020B0604020202020204" pitchFamily="34" charset="0"/>
+              <a:buChar char="•"/>
+            </a:pPr>
+            <a:r>
+              <a:rPr lang="en-US" sz="2400" dirty="0">
+                <a:solidFill>
+                  <a:srgbClr val="404040"/>
+                </a:solidFill>
+              </a:rPr>
+              <a:t>To Install Some Key R Packages</a:t>
+            </a:r>
+          </a:p>
+          <a:p>
+            <a:pPr lvl="1" indent="-228600" defTabSz="914400" eaLnBrk="1" hangingPunct="1">
+              <a:lnSpc>
+                <a:spcPct val="90000"/>
+              </a:lnSpc>
+              <a:buFont typeface="Arial" panose="020B0604020202020204" pitchFamily="34" charset="0"/>
+              <a:buChar char="•"/>
+            </a:pPr>
+            <a:r>
+              <a:rPr lang="en-US" sz="2400" dirty="0" err="1">
+                <a:solidFill>
+                  <a:srgbClr val="404040"/>
+                </a:solidFill>
+              </a:rPr>
+              <a:t>Tidyverse</a:t>
+            </a:r>
+            <a:endParaRPr lang="en-US" sz="2400" dirty="0">
+              <a:solidFill>
+                <a:srgbClr val="404040"/>
+              </a:solidFill>
+            </a:endParaRPr>
+          </a:p>
+          <a:p>
+            <a:pPr lvl="1" indent="-228600" defTabSz="914400" eaLnBrk="1" hangingPunct="1">
+              <a:lnSpc>
+                <a:spcPct val="90000"/>
+              </a:lnSpc>
+              <a:buFont typeface="Arial" panose="020B0604020202020204" pitchFamily="34" charset="0"/>
+              <a:buChar char="•"/>
+            </a:pPr>
+            <a:r>
+              <a:rPr lang="en-US" sz="2400" dirty="0" err="1">
+                <a:solidFill>
+                  <a:srgbClr val="404040"/>
+                </a:solidFill>
+              </a:rPr>
+              <a:t>Rmarkdown</a:t>
+            </a:r>
+            <a:endParaRPr lang="en-US" sz="2400" dirty="0">
+              <a:solidFill>
+                <a:srgbClr val="404040"/>
+              </a:solidFill>
+            </a:endParaRPr>
+          </a:p>
+          <a:p>
+            <a:pPr indent="-228600" defTabSz="914400" eaLnBrk="1" hangingPunct="1">
+              <a:lnSpc>
+                <a:spcPct val="90000"/>
+              </a:lnSpc>
+              <a:buFont typeface="Arial" panose="020B0604020202020204" pitchFamily="34" charset="0"/>
+              <a:buChar char="•"/>
+            </a:pPr>
+            <a:endParaRPr lang="en-US" sz="2400" dirty="0">
+              <a:solidFill>
+                <a:srgbClr val="404040"/>
+              </a:solidFill>
+            </a:endParaRPr>
+          </a:p>
+          <a:p>
+            <a:pPr indent="-228600" defTabSz="914400" eaLnBrk="1" hangingPunct="1">
+              <a:lnSpc>
+                <a:spcPct val="90000"/>
+              </a:lnSpc>
+              <a:buFont typeface="Arial" panose="020B0604020202020204" pitchFamily="34" charset="0"/>
+              <a:buChar char="•"/>
+            </a:pPr>
+            <a:r>
+              <a:rPr lang="en-US" sz="2400" dirty="0">
+                <a:solidFill>
+                  <a:srgbClr val="404040"/>
+                </a:solidFill>
+              </a:rPr>
+              <a:t>To Practice Coding via R Scripts</a:t>
+            </a:r>
+          </a:p>
+          <a:p>
+            <a:pPr indent="-228600" defTabSz="914400" eaLnBrk="1" hangingPunct="1">
+              <a:lnSpc>
+                <a:spcPct val="90000"/>
+              </a:lnSpc>
+              <a:buFont typeface="Arial" panose="020B0604020202020204" pitchFamily="34" charset="0"/>
+              <a:buChar char="•"/>
+            </a:pPr>
+            <a:endParaRPr lang="en-US" sz="2400" dirty="0">
+              <a:solidFill>
+                <a:srgbClr val="404040"/>
+              </a:solidFill>
+            </a:endParaRPr>
+          </a:p>
+          <a:p>
+            <a:pPr indent="-228600" defTabSz="914400" eaLnBrk="1" hangingPunct="1">
+              <a:lnSpc>
+                <a:spcPct val="90000"/>
+              </a:lnSpc>
+              <a:buFont typeface="Arial" panose="020B0604020202020204" pitchFamily="34" charset="0"/>
+              <a:buChar char="•"/>
+            </a:pPr>
+            <a:r>
+              <a:rPr lang="en-US" sz="2400" dirty="0">
+                <a:solidFill>
+                  <a:srgbClr val="404040"/>
+                </a:solidFill>
+              </a:rPr>
+              <a:t>To Learn Elements of ggplot2</a:t>
+            </a:r>
+          </a:p>
+          <a:p>
+            <a:pPr indent="-228600" defTabSz="914400" eaLnBrk="1" hangingPunct="1">
+              <a:lnSpc>
+                <a:spcPct val="90000"/>
+              </a:lnSpc>
+              <a:buFont typeface="Arial" panose="020B0604020202020204" pitchFamily="34" charset="0"/>
+              <a:buChar char="•"/>
+            </a:pPr>
+            <a:endParaRPr lang="en-US" sz="2400" dirty="0">
               <a:solidFill>
                 <a:srgbClr val="404040"/>
               </a:solidFill>
@@ -8844,13 +8966,48 @@
             </a:endParaRPr>
           </a:p>
           <a:p>
+            <a:pPr indent="-228600" defTabSz="914400" eaLnBrk="1" hangingPunct="1">
+              <a:lnSpc>
+                <a:spcPct val="90000"/>
+              </a:lnSpc>
+              <a:buFont typeface="Arial" panose="020B0604020202020204" pitchFamily="34" charset="0"/>
+              <a:buChar char="•"/>
+            </a:pPr>
+            <a:r>
+              <a:rPr lang="en-US" sz="2400" dirty="0">
+                <a:solidFill>
+                  <a:srgbClr val="404040"/>
+                </a:solidFill>
+                <a:ea typeface="+mn-ea"/>
+                <a:cs typeface="+mn-cs"/>
+              </a:rPr>
+              <a:t>Practice Making Visually Stunning Pictures that Change Lives</a:t>
+            </a:r>
+          </a:p>
+          <a:p>
+            <a:pPr indent="-228600" defTabSz="914400" eaLnBrk="1" hangingPunct="1">
+              <a:lnSpc>
+                <a:spcPct val="90000"/>
+              </a:lnSpc>
+              <a:buFont typeface="Arial" panose="020B0604020202020204" pitchFamily="34" charset="0"/>
+              <a:buChar char="•"/>
+            </a:pPr>
+            <a:endParaRPr lang="en-US" sz="2000" dirty="0">
+              <a:solidFill>
+                <a:srgbClr val="404040"/>
+              </a:solidFill>
+              <a:ea typeface="+mn-ea"/>
+              <a:cs typeface="+mn-cs"/>
+            </a:endParaRPr>
+          </a:p>
+          <a:p>
             <a:pPr marL="114300" indent="0" defTabSz="914400" eaLnBrk="1" hangingPunct="1">
               <a:lnSpc>
                 <a:spcPct val="90000"/>
               </a:lnSpc>
               <a:buNone/>
             </a:pPr>
-            <a:endParaRPr lang="en-US" sz="4000" dirty="0">
+            <a:endParaRPr lang="en-US" sz="2000" dirty="0">
               <a:solidFill>
                 <a:srgbClr val="404040"/>
               </a:solidFill>
@@ -8858,45 +9015,47 @@
               <a:cs typeface="+mn-cs"/>
             </a:endParaRPr>
           </a:p>
-        </p:txBody>
-      </p:sp>
-      <p:pic>
-        <p:nvPicPr>
-          <p:cNvPr id="8" name="Picture 7">
-            <a:extLst>
-              <a:ext uri="{FF2B5EF4-FFF2-40B4-BE49-F238E27FC236}">
-                <a16:creationId xmlns:a16="http://schemas.microsoft.com/office/drawing/2014/main" id="{521D4292-9ECC-4DA5-8CC0-C561A0DA118E}"/>
-              </a:ext>
-            </a:extLst>
-          </p:cNvPr>
-          <p:cNvPicPr>
-            <a:picLocks noChangeAspect="1"/>
-          </p:cNvPicPr>
-          <p:nvPr/>
-        </p:nvPicPr>
-        <p:blipFill rotWithShape="1">
-          <a:blip r:embed="rId4"/>
-          <a:srcRect l="8000" r="9400"/>
-          <a:stretch/>
-        </p:blipFill>
-        <p:spPr>
-          <a:xfrm>
-            <a:off x="660103" y="3048000"/>
-            <a:ext cx="2167974" cy="2624666"/>
-          </a:xfrm>
-          <a:prstGeom prst="rect">
-            <a:avLst/>
-          </a:prstGeom>
-          <a:noFill/>
-        </p:spPr>
-      </p:pic>
+          <a:p>
+            <a:pPr indent="-228600" defTabSz="914400" eaLnBrk="1" hangingPunct="1">
+              <a:lnSpc>
+                <a:spcPct val="90000"/>
+              </a:lnSpc>
+              <a:buFont typeface="Arial" panose="020B0604020202020204" pitchFamily="34" charset="0"/>
+              <a:buChar char="•"/>
+            </a:pPr>
+            <a:endParaRPr lang="en-US" sz="2000" dirty="0">
+              <a:solidFill>
+                <a:srgbClr val="404040"/>
+              </a:solidFill>
+              <a:ea typeface="+mn-ea"/>
+              <a:cs typeface="+mn-cs"/>
+            </a:endParaRPr>
+          </a:p>
+          <a:p>
+            <a:pPr indent="-228600" defTabSz="914400" eaLnBrk="1" hangingPunct="1">
+              <a:lnSpc>
+                <a:spcPct val="90000"/>
+              </a:lnSpc>
+              <a:buFont typeface="Arial" panose="020B0604020202020204" pitchFamily="34" charset="0"/>
+              <a:buChar char="•"/>
+            </a:pPr>
+            <a:endParaRPr lang="en-US" sz="2000" dirty="0">
+              <a:solidFill>
+                <a:srgbClr val="404040"/>
+              </a:solidFill>
+              <a:ea typeface="+mn-ea"/>
+              <a:cs typeface="+mn-cs"/>
+            </a:endParaRPr>
+          </a:p>
+        </p:txBody>
+      </p:sp>
     </p:spTree>
     <p:custDataLst>
       <p:tags r:id="rId1"/>
     </p:custDataLst>
     <p:extLst>
       <p:ext uri="{BB962C8B-B14F-4D97-AF65-F5344CB8AC3E}">
-        <p14:creationId xmlns:p14="http://schemas.microsoft.com/office/powerpoint/2010/main" val="641320167"/>
+        <p14:creationId xmlns:p14="http://schemas.microsoft.com/office/powerpoint/2010/main" val="3620350272"/>
       </p:ext>
     </p:extLst>
   </p:cSld>
@@ -9039,7 +9198,7 @@
                 <a:ea typeface="+mj-ea"/>
                 <a:cs typeface="+mj-cs"/>
               </a:rPr>
-              <a:t>Why are We Here?</a:t>
+              <a:t>Initial Steps in RStudio</a:t>
             </a:r>
           </a:p>
         </p:txBody>
@@ -9090,8 +9249,8 @@
         </p:nvSpPr>
         <p:spPr bwMode="auto">
           <a:xfrm>
-            <a:off x="3810000" y="643466"/>
-            <a:ext cx="4851400" cy="5833533"/>
+            <a:off x="3632496" y="643467"/>
+            <a:ext cx="5359103" cy="5833533"/>
           </a:xfrm>
           <a:prstGeom prst="rect">
             <a:avLst/>
@@ -9265,14 +9424,34 @@
               <a:buChar char="•"/>
             </a:pPr>
             <a:r>
-              <a:rPr lang="en-US" sz="2000" dirty="0">
+              <a:rPr lang="en-US" sz="2400" dirty="0">
                 <a:solidFill>
                   <a:srgbClr val="404040"/>
                 </a:solidFill>
                 <a:ea typeface="+mn-ea"/>
                 <a:cs typeface="+mn-cs"/>
               </a:rPr>
-              <a:t>To Develop a Personal and Intimate Hate/Love Relationship With R</a:t>
+              <a:t>Install </a:t>
+            </a:r>
+            <a:r>
+              <a:rPr lang="en-US" sz="2400" dirty="0" err="1">
+                <a:solidFill>
+                  <a:srgbClr val="404040"/>
+                </a:solidFill>
+                <a:ea typeface="+mn-ea"/>
+                <a:cs typeface="+mn-cs"/>
+              </a:rPr>
+              <a:t>Tidyverse</a:t>
+            </a:r>
+            <a:r>
+              <a:rPr lang="en-US" sz="2400" dirty="0">
+                <a:solidFill>
+                  <a:srgbClr val="404040"/>
+                </a:solidFill>
+                <a:ea typeface="+mn-ea"/>
+                <a:cs typeface="+mn-cs"/>
+              </a:rPr>
+              <a:t> Package</a:t>
             </a:r>
           </a:p>
           <a:p>
@@ -9282,10 +9461,27 @@
               </a:lnSpc>
               <a:buNone/>
             </a:pPr>
-            <a:endParaRPr lang="en-US" sz="2000" dirty="0">
+            <a:endParaRPr lang="en-US" sz="2400" dirty="0">
               <a:solidFill>
                 <a:srgbClr val="404040"/>
               </a:solidFill>
+              <a:ea typeface="+mn-ea"/>
+              <a:cs typeface="+mn-cs"/>
+            </a:endParaRPr>
+          </a:p>
+          <a:p>
+            <a:pPr marL="114300" indent="0" defTabSz="914400" eaLnBrk="1" hangingPunct="1">
+              <a:lnSpc>
+                <a:spcPct val="90000"/>
+              </a:lnSpc>
+              <a:buNone/>
+            </a:pPr>
+            <a:endParaRPr lang="en-US" sz="2400" dirty="0">
+              <a:solidFill>
+                <a:srgbClr val="404040"/>
+              </a:solidFill>
+              <a:ea typeface="+mn-ea"/>
+              <a:cs typeface="+mn-cs"/>
             </a:endParaRPr>
           </a:p>
           <a:p>
@@ -9297,12 +9493,14 @@
               <a:buChar char="•"/>
             </a:pPr>
             <a:r>
-              <a:rPr lang="en-US" sz="2000" dirty="0">
+              <a:rPr lang="en-US" sz="2400" dirty="0">
                 <a:solidFill>
                   <a:srgbClr val="404040"/>
                 </a:solidFill>
+                <a:ea typeface="+mn-ea"/>
+                <a:cs typeface="+mn-cs"/>
               </a:rPr>
-              <a:t>To Install Some Key R Packages</a:t>
+              <a:t>Other Packages To Be Installed</a:t>
             </a:r>
           </a:p>
           <a:p>
@@ -9314,17 +9512,21 @@
               <a:buChar char="•"/>
             </a:pPr>
             <a:r>
-              <a:rPr lang="en-US" sz="1600" dirty="0" err="1">
+              <a:rPr lang="en-US" sz="2400" dirty="0" err="1">
                 <a:solidFill>
                   <a:srgbClr val="404040"/>
                 </a:solidFill>
+                <a:ea typeface="+mn-ea"/>
+                <a:cs typeface="+mn-cs"/>
               </a:rPr>
-              <a:t>Tidyverse</a:t>
-            </a:r>
-            <a:endParaRPr lang="en-US" sz="1600" dirty="0">
+              <a:t>RColorBrewer</a:t>
+            </a:r>
+            <a:endParaRPr lang="en-US" sz="2400" dirty="0">
               <a:solidFill>
                 <a:srgbClr val="404040"/>
               </a:solidFill>
+              <a:ea typeface="+mn-ea"/>
+              <a:cs typeface="+mn-cs"/>
             </a:endParaRPr>
           </a:p>
           <a:p>
@@ -9336,178 +9538,272 @@
               <a:buChar char="•"/>
             </a:pPr>
             <a:r>
-              <a:rPr lang="en-US" sz="1600" dirty="0" err="1">
+              <a:rPr lang="en-US" sz="2400" dirty="0" err="1">
                 <a:solidFill>
                   <a:srgbClr val="404040"/>
                 </a:solidFill>
+                <a:ea typeface="+mn-ea"/>
               </a:rPr>
               <a:t>Rmarkdown</a:t>
             </a:r>
-            <a:endParaRPr lang="en-US" sz="1600" dirty="0">
-              <a:solidFill>
-                <a:srgbClr val="404040"/>
-              </a:solidFill>
-            </a:endParaRPr>
-          </a:p>
-          <a:p>
-            <a:pPr indent="-228600" defTabSz="914400" eaLnBrk="1" hangingPunct="1">
-              <a:lnSpc>
-                <a:spcPct val="90000"/>
-              </a:lnSpc>
-              <a:buFont typeface="Arial" panose="020B0604020202020204" pitchFamily="34" charset="0"/>
-              <a:buChar char="•"/>
-            </a:pPr>
-            <a:endParaRPr lang="en-US" sz="2000" dirty="0">
-              <a:solidFill>
-                <a:srgbClr val="404040"/>
-              </a:solidFill>
-            </a:endParaRPr>
-          </a:p>
-          <a:p>
-            <a:pPr indent="-228600" defTabSz="914400" eaLnBrk="1" hangingPunct="1">
-              <a:lnSpc>
-                <a:spcPct val="90000"/>
-              </a:lnSpc>
-              <a:buFont typeface="Arial" panose="020B0604020202020204" pitchFamily="34" charset="0"/>
-              <a:buChar char="•"/>
-            </a:pPr>
-            <a:r>
-              <a:rPr lang="en-US" sz="2000" dirty="0">
-                <a:solidFill>
-                  <a:srgbClr val="404040"/>
-                </a:solidFill>
-              </a:rPr>
-              <a:t>To Practice Coding via R Scripts</a:t>
-            </a:r>
-          </a:p>
-          <a:p>
-            <a:pPr indent="-228600" defTabSz="914400" eaLnBrk="1" hangingPunct="1">
-              <a:lnSpc>
-                <a:spcPct val="90000"/>
-              </a:lnSpc>
-              <a:buFont typeface="Arial" panose="020B0604020202020204" pitchFamily="34" charset="0"/>
-              <a:buChar char="•"/>
-            </a:pPr>
-            <a:endParaRPr lang="en-US" sz="2000" dirty="0">
-              <a:solidFill>
-                <a:srgbClr val="404040"/>
-              </a:solidFill>
-            </a:endParaRPr>
-          </a:p>
-          <a:p>
-            <a:pPr indent="-228600" defTabSz="914400" eaLnBrk="1" hangingPunct="1">
-              <a:lnSpc>
-                <a:spcPct val="90000"/>
-              </a:lnSpc>
-              <a:buFont typeface="Arial" panose="020B0604020202020204" pitchFamily="34" charset="0"/>
-              <a:buChar char="•"/>
-            </a:pPr>
-            <a:r>
-              <a:rPr lang="en-US" sz="2000" dirty="0">
-                <a:solidFill>
-                  <a:srgbClr val="404040"/>
-                </a:solidFill>
-              </a:rPr>
-              <a:t>To Learn Elements of ggplot2</a:t>
-            </a:r>
-          </a:p>
-          <a:p>
-            <a:pPr indent="-228600" defTabSz="914400" eaLnBrk="1" hangingPunct="1">
-              <a:lnSpc>
-                <a:spcPct val="90000"/>
-              </a:lnSpc>
-              <a:buFont typeface="Arial" panose="020B0604020202020204" pitchFamily="34" charset="0"/>
-              <a:buChar char="•"/>
-            </a:pPr>
-            <a:endParaRPr lang="en-US" sz="2000" dirty="0">
+            <a:endParaRPr lang="en-US" sz="2400" dirty="0">
               <a:solidFill>
                 <a:srgbClr val="404040"/>
               </a:solidFill>
               <a:ea typeface="+mn-ea"/>
-              <a:cs typeface="+mn-cs"/>
             </a:endParaRPr>
           </a:p>
-          <a:p>
-            <a:pPr indent="-228600" defTabSz="914400" eaLnBrk="1" hangingPunct="1">
-              <a:lnSpc>
-                <a:spcPct val="90000"/>
-              </a:lnSpc>
-              <a:buFont typeface="Arial" panose="020B0604020202020204" pitchFamily="34" charset="0"/>
-              <a:buChar char="•"/>
-            </a:pPr>
+        </p:txBody>
+      </p:sp>
+      <p:sp>
+        <p:nvSpPr>
+          <p:cNvPr id="5" name="TextBox 4">
+            <a:extLst>
+              <a:ext uri="{FF2B5EF4-FFF2-40B4-BE49-F238E27FC236}">
+                <a16:creationId xmlns:a16="http://schemas.microsoft.com/office/drawing/2014/main" id="{793E7647-6811-49AF-8ACC-635E9B51896A}"/>
+              </a:ext>
+            </a:extLst>
+          </p:cNvPr>
+          <p:cNvSpPr txBox="1"/>
+          <p:nvPr/>
+        </p:nvSpPr>
+        <p:spPr>
+          <a:xfrm>
+            <a:off x="4084649" y="1022242"/>
+            <a:ext cx="3306752" cy="400110"/>
+          </a:xfrm>
+          <a:prstGeom prst="rect">
+            <a:avLst/>
+          </a:prstGeom>
+          <a:solidFill>
+            <a:srgbClr val="404040"/>
+          </a:solidFill>
+          <a:ln>
+            <a:solidFill>
+              <a:srgbClr val="404040"/>
+            </a:solidFill>
+          </a:ln>
+        </p:spPr>
+        <p:style>
+          <a:lnRef idx="2">
+            <a:schemeClr val="dk1">
+              <a:shade val="50000"/>
+            </a:schemeClr>
+          </a:lnRef>
+          <a:fillRef idx="1">
+            <a:schemeClr val="dk1"/>
+          </a:fillRef>
+          <a:effectRef idx="0">
+            <a:schemeClr val="dk1"/>
+          </a:effectRef>
+          <a:fontRef idx="minor">
+            <a:schemeClr val="lt1"/>
+          </a:fontRef>
+        </p:style>
+        <p:txBody>
+          <a:bodyPr wrap="square" rtlCol="0">
+            <a:spAutoFit/>
+          </a:bodyPr>
+          <a:lstStyle/>
+          <a:p>
             <a:r>
               <a:rPr lang="en-US" sz="2000" dirty="0">
                 <a:solidFill>
+                  <a:schemeClr val="bg1"/>
+                </a:solidFill>
+              </a:rPr>
+              <a:t>&gt; </a:t>
+            </a:r>
+            <a:r>
+              <a:rPr lang="en-US" sz="2000" dirty="0" err="1">
+                <a:solidFill>
+                  <a:schemeClr val="bg1"/>
+                </a:solidFill>
+              </a:rPr>
+              <a:t>install.packages</a:t>
+            </a:r>
+            <a:r>
+              <a:rPr lang="en-US" sz="2000" dirty="0">
+                <a:solidFill>
+                  <a:schemeClr val="bg1"/>
+                </a:solidFill>
+              </a:rPr>
+              <a:t>(“</a:t>
+            </a:r>
+            <a:r>
+              <a:rPr lang="en-US" sz="2000" dirty="0" err="1">
+                <a:solidFill>
+                  <a:schemeClr val="bg1"/>
+                </a:solidFill>
+              </a:rPr>
+              <a:t>tidyverse</a:t>
+            </a:r>
+            <a:r>
+              <a:rPr lang="en-US" sz="2000" dirty="0">
+                <a:solidFill>
+                  <a:schemeClr val="bg1"/>
+                </a:solidFill>
+              </a:rPr>
+              <a:t>”)</a:t>
+            </a:r>
+          </a:p>
+        </p:txBody>
+      </p:sp>
+      <p:pic>
+        <p:nvPicPr>
+          <p:cNvPr id="9" name="Picture 8">
+            <a:extLst>
+              <a:ext uri="{FF2B5EF4-FFF2-40B4-BE49-F238E27FC236}">
+                <a16:creationId xmlns:a16="http://schemas.microsoft.com/office/drawing/2014/main" id="{F2BF21DE-F956-4E5F-AC07-96F974BD3B59}"/>
+              </a:ext>
+            </a:extLst>
+          </p:cNvPr>
+          <p:cNvPicPr>
+            <a:picLocks noChangeAspect="1"/>
+          </p:cNvPicPr>
+          <p:nvPr/>
+        </p:nvPicPr>
+        <p:blipFill>
+          <a:blip r:embed="rId4"/>
+          <a:stretch>
+            <a:fillRect/>
+          </a:stretch>
+        </p:blipFill>
+        <p:spPr>
+          <a:xfrm>
+            <a:off x="3658772" y="3731442"/>
+            <a:ext cx="5194105" cy="3026531"/>
+          </a:xfrm>
+          <a:prstGeom prst="rect">
+            <a:avLst/>
+          </a:prstGeom>
+          <a:ln>
+            <a:solidFill>
+              <a:srgbClr val="404040"/>
+            </a:solidFill>
+          </a:ln>
+        </p:spPr>
+        <p:style>
+          <a:lnRef idx="2">
+            <a:schemeClr val="dk1"/>
+          </a:lnRef>
+          <a:fillRef idx="1">
+            <a:schemeClr val="lt1"/>
+          </a:fillRef>
+          <a:effectRef idx="0">
+            <a:schemeClr val="dk1"/>
+          </a:effectRef>
+          <a:fontRef idx="minor">
+            <a:schemeClr val="dk1"/>
+          </a:fontRef>
+        </p:style>
+      </p:pic>
+      <p:sp>
+        <p:nvSpPr>
+          <p:cNvPr id="13" name="Arrow: Right 12">
+            <a:extLst>
+              <a:ext uri="{FF2B5EF4-FFF2-40B4-BE49-F238E27FC236}">
+                <a16:creationId xmlns:a16="http://schemas.microsoft.com/office/drawing/2014/main" id="{1304B3EE-7698-44E2-BA90-60A98037538D}"/>
+              </a:ext>
+            </a:extLst>
+          </p:cNvPr>
+          <p:cNvSpPr/>
+          <p:nvPr/>
+        </p:nvSpPr>
+        <p:spPr>
+          <a:xfrm rot="9001079" flipV="1">
+            <a:off x="4029852" y="3647303"/>
+            <a:ext cx="1304197" cy="66381"/>
+          </a:xfrm>
+          <a:prstGeom prst="rightArrow">
+            <a:avLst/>
+          </a:prstGeom>
+          <a:solidFill>
+            <a:srgbClr val="404040"/>
+          </a:solidFill>
+          <a:ln>
+            <a:solidFill>
+              <a:srgbClr val="404040"/>
+            </a:solidFill>
+          </a:ln>
+        </p:spPr>
+        <p:style>
+          <a:lnRef idx="1">
+            <a:schemeClr val="accent1"/>
+          </a:lnRef>
+          <a:fillRef idx="3">
+            <a:schemeClr val="accent1"/>
+          </a:fillRef>
+          <a:effectRef idx="2">
+            <a:schemeClr val="accent1"/>
+          </a:effectRef>
+          <a:fontRef idx="minor">
+            <a:schemeClr val="lt1"/>
+          </a:fontRef>
+        </p:style>
+        <p:txBody>
+          <a:bodyPr rtlCol="0" anchor="ctr"/>
+          <a:lstStyle/>
+          <a:p>
+            <a:pPr algn="ctr"/>
+            <a:endParaRPr lang="en-US"/>
+          </a:p>
+        </p:txBody>
+      </p:sp>
+      <p:sp>
+        <p:nvSpPr>
+          <p:cNvPr id="4" name="TextBox 3">
+            <a:extLst>
+              <a:ext uri="{FF2B5EF4-FFF2-40B4-BE49-F238E27FC236}">
+                <a16:creationId xmlns:a16="http://schemas.microsoft.com/office/drawing/2014/main" id="{34727593-C01F-44AF-AC37-7378682F1DF9}"/>
+              </a:ext>
+            </a:extLst>
+          </p:cNvPr>
+          <p:cNvSpPr txBox="1"/>
+          <p:nvPr/>
+        </p:nvSpPr>
+        <p:spPr>
+          <a:xfrm>
+            <a:off x="5195278" y="3160123"/>
+            <a:ext cx="3657599" cy="400110"/>
+          </a:xfrm>
+          <a:prstGeom prst="rect">
+            <a:avLst/>
+          </a:prstGeom>
+          <a:solidFill>
+            <a:schemeClr val="bg1">
+              <a:lumMod val="85000"/>
+            </a:schemeClr>
+          </a:solidFill>
+        </p:spPr>
+        <p:style>
+          <a:lnRef idx="2">
+            <a:schemeClr val="dk1"/>
+          </a:lnRef>
+          <a:fillRef idx="1">
+            <a:schemeClr val="lt1"/>
+          </a:fillRef>
+          <a:effectRef idx="0">
+            <a:schemeClr val="dk1"/>
+          </a:effectRef>
+          <a:fontRef idx="minor">
+            <a:schemeClr val="dk1"/>
+          </a:fontRef>
+        </p:style>
+        <p:txBody>
+          <a:bodyPr wrap="square" rtlCol="0">
+            <a:spAutoFit/>
+          </a:bodyPr>
+          <a:lstStyle/>
+          <a:p>
+            <a:r>
+              <a:rPr lang="en-US" sz="2000" dirty="0">
+                <a:solidFill>
                   <a:srgbClr val="404040"/>
                 </a:solidFill>
-                <a:ea typeface="+mn-ea"/>
-                <a:cs typeface="+mn-cs"/>
               </a:rPr>
-              <a:t>To Practice Making Visually Stunning Pictures that Change Lives</a:t>
-            </a:r>
-          </a:p>
-          <a:p>
-            <a:pPr indent="-228600" defTabSz="914400" eaLnBrk="1" hangingPunct="1">
-              <a:lnSpc>
-                <a:spcPct val="90000"/>
-              </a:lnSpc>
-              <a:buFont typeface="Arial" panose="020B0604020202020204" pitchFamily="34" charset="0"/>
-              <a:buChar char="•"/>
-            </a:pPr>
-            <a:endParaRPr lang="en-US" sz="2000" dirty="0">
-              <a:solidFill>
-                <a:srgbClr val="404040"/>
-              </a:solidFill>
-              <a:ea typeface="+mn-ea"/>
-              <a:cs typeface="+mn-cs"/>
-            </a:endParaRPr>
-          </a:p>
-          <a:p>
-            <a:pPr marL="114300" indent="0" defTabSz="914400" eaLnBrk="1" hangingPunct="1">
-              <a:lnSpc>
-                <a:spcPct val="90000"/>
-              </a:lnSpc>
-              <a:buNone/>
-            </a:pPr>
-            <a:endParaRPr lang="en-US" sz="2000" dirty="0">
-              <a:solidFill>
-                <a:srgbClr val="404040"/>
-              </a:solidFill>
-              <a:ea typeface="+mn-ea"/>
-              <a:cs typeface="+mn-cs"/>
-            </a:endParaRPr>
-          </a:p>
-          <a:p>
-            <a:pPr indent="-228600" defTabSz="914400" eaLnBrk="1" hangingPunct="1">
-              <a:lnSpc>
-                <a:spcPct val="90000"/>
-              </a:lnSpc>
-              <a:buFont typeface="Arial" panose="020B0604020202020204" pitchFamily="34" charset="0"/>
-              <a:buChar char="•"/>
-            </a:pPr>
-            <a:endParaRPr lang="en-US" sz="2000" dirty="0">
-              <a:solidFill>
-                <a:srgbClr val="404040"/>
-              </a:solidFill>
-              <a:ea typeface="+mn-ea"/>
-              <a:cs typeface="+mn-cs"/>
-            </a:endParaRPr>
-          </a:p>
-          <a:p>
-            <a:pPr indent="-228600" defTabSz="914400" eaLnBrk="1" hangingPunct="1">
-              <a:lnSpc>
-                <a:spcPct val="90000"/>
-              </a:lnSpc>
-              <a:buFont typeface="Arial" panose="020B0604020202020204" pitchFamily="34" charset="0"/>
-              <a:buChar char="•"/>
-            </a:pPr>
-            <a:endParaRPr lang="en-US" sz="2000" dirty="0">
-              <a:solidFill>
-                <a:srgbClr val="404040"/>
-              </a:solidFill>
-              <a:ea typeface="+mn-ea"/>
-              <a:cs typeface="+mn-cs"/>
-            </a:endParaRPr>
+              <a:t>Select Install and Search on CRAN</a:t>
+            </a:r>
           </a:p>
         </p:txBody>
       </p:sp>
@@ -9517,7 +9813,7 @@
     </p:custDataLst>
     <p:extLst>
       <p:ext uri="{BB962C8B-B14F-4D97-AF65-F5344CB8AC3E}">
-        <p14:creationId xmlns:p14="http://schemas.microsoft.com/office/powerpoint/2010/main" val="3620350272"/>
+        <p14:creationId xmlns:p14="http://schemas.microsoft.com/office/powerpoint/2010/main" val="3769935585"/>
       </p:ext>
     </p:extLst>
   </p:cSld>
@@ -9893,31 +10189,30 @@
                 <a:ea typeface="+mn-ea"/>
                 <a:cs typeface="+mn-cs"/>
               </a:rPr>
-              <a:t>Install </a:t>
-            </a:r>
-            <a:r>
-              <a:rPr lang="en-US" sz="2400" dirty="0" err="1">
+              <a:t>To Use the Package</a:t>
+            </a:r>
+          </a:p>
+          <a:p>
+            <a:pPr lvl="1" indent="-228600" defTabSz="914400" eaLnBrk="1" hangingPunct="1">
+              <a:lnSpc>
+                <a:spcPct val="90000"/>
+              </a:lnSpc>
+              <a:buFont typeface="Arial" panose="020B0604020202020204" pitchFamily="34" charset="0"/>
+              <a:buChar char="•"/>
+            </a:pPr>
+            <a:r>
+              <a:rPr lang="en-US" sz="2400" dirty="0">
                 <a:solidFill>
                   <a:srgbClr val="404040"/>
                 </a:solidFill>
                 <a:ea typeface="+mn-ea"/>
                 <a:cs typeface="+mn-cs"/>
               </a:rPr>
-              <a:t>Tidyverse</a:t>
-            </a:r>
-            <a:r>
-              <a:rPr lang="en-US" sz="2400" dirty="0">
-                <a:solidFill>
-                  <a:srgbClr val="404040"/>
-                </a:solidFill>
-                <a:ea typeface="+mn-ea"/>
-                <a:cs typeface="+mn-cs"/>
-              </a:rPr>
-              <a:t> Package</a:t>
-            </a:r>
-          </a:p>
-          <a:p>
-            <a:pPr indent="-228600" defTabSz="914400" eaLnBrk="1" hangingPunct="1">
+              <a:t>Code</a:t>
+            </a:r>
+          </a:p>
+          <a:p>
+            <a:pPr lvl="1" indent="-228600" defTabSz="914400" eaLnBrk="1" hangingPunct="1">
               <a:lnSpc>
                 <a:spcPct val="90000"/>
               </a:lnSpc>
@@ -9929,17 +10224,50 @@
                 <a:srgbClr val="404040"/>
               </a:solidFill>
               <a:ea typeface="+mn-ea"/>
-              <a:cs typeface="+mn-cs"/>
             </a:endParaRPr>
           </a:p>
           <a:p>
-            <a:pPr indent="-228600" defTabSz="914400" eaLnBrk="1" hangingPunct="1">
+            <a:pPr marL="514350" lvl="1" indent="0" defTabSz="914400" eaLnBrk="1" hangingPunct="1">
+              <a:lnSpc>
+                <a:spcPct val="90000"/>
+              </a:lnSpc>
+              <a:buNone/>
+            </a:pPr>
+            <a:endParaRPr lang="en-US" sz="2400" dirty="0">
+              <a:solidFill>
+                <a:srgbClr val="404040"/>
+              </a:solidFill>
+              <a:ea typeface="+mn-ea"/>
+            </a:endParaRPr>
+          </a:p>
+          <a:p>
+            <a:pPr lvl="1" indent="-228600" defTabSz="914400" eaLnBrk="1" hangingPunct="1">
               <a:lnSpc>
                 <a:spcPct val="90000"/>
               </a:lnSpc>
               <a:buFont typeface="Arial" panose="020B0604020202020204" pitchFamily="34" charset="0"/>
               <a:buChar char="•"/>
             </a:pPr>
+            <a:r>
+              <a:rPr lang="en-US" sz="2400" dirty="0">
+                <a:solidFill>
+                  <a:srgbClr val="404040"/>
+                </a:solidFill>
+                <a:ea typeface="+mn-ea"/>
+                <a:cs typeface="+mn-cs"/>
+              </a:rPr>
+              <a:t>Check Box for </a:t>
+            </a:r>
+            <a:r>
+              <a:rPr lang="en-US" sz="2400" dirty="0" err="1">
+                <a:solidFill>
+                  <a:srgbClr val="404040"/>
+                </a:solidFill>
+                <a:ea typeface="+mn-ea"/>
+                <a:cs typeface="+mn-cs"/>
+              </a:rPr>
+              <a:t>Tidyverse</a:t>
+            </a:r>
             <a:endParaRPr lang="en-US" sz="2400" dirty="0">
               <a:solidFill>
                 <a:srgbClr val="404040"/>
@@ -9947,108 +10275,6 @@
               <a:ea typeface="+mn-ea"/>
               <a:cs typeface="+mn-cs"/>
             </a:endParaRPr>
-          </a:p>
-          <a:p>
-            <a:pPr indent="-228600" defTabSz="914400" eaLnBrk="1" hangingPunct="1">
-              <a:lnSpc>
-                <a:spcPct val="90000"/>
-              </a:lnSpc>
-              <a:buFont typeface="Arial" panose="020B0604020202020204" pitchFamily="34" charset="0"/>
-              <a:buChar char="•"/>
-            </a:pPr>
-            <a:r>
-              <a:rPr lang="en-US" sz="2400" dirty="0">
-                <a:solidFill>
-                  <a:srgbClr val="404040"/>
-                </a:solidFill>
-                <a:ea typeface="+mn-ea"/>
-                <a:cs typeface="+mn-cs"/>
-              </a:rPr>
-              <a:t>Other Packages To Be Installed</a:t>
-            </a:r>
-          </a:p>
-          <a:p>
-            <a:pPr lvl="1" indent="-228600" defTabSz="914400" eaLnBrk="1" hangingPunct="1">
-              <a:lnSpc>
-                <a:spcPct val="90000"/>
-              </a:lnSpc>
-              <a:buFont typeface="Arial" panose="020B0604020202020204" pitchFamily="34" charset="0"/>
-              <a:buChar char="•"/>
-            </a:pPr>
-            <a:r>
-              <a:rPr lang="en-US" sz="2000" dirty="0" err="1">
-                <a:solidFill>
-                  <a:srgbClr val="404040"/>
-                </a:solidFill>
-                <a:ea typeface="+mn-ea"/>
-                <a:cs typeface="+mn-cs"/>
-              </a:rPr>
-              <a:t>RColorBrewer</a:t>
-            </a:r>
-            <a:endParaRPr lang="en-US" sz="2000" dirty="0">
-              <a:solidFill>
-                <a:srgbClr val="404040"/>
-              </a:solidFill>
-              <a:ea typeface="+mn-ea"/>
-              <a:cs typeface="+mn-cs"/>
-            </a:endParaRPr>
-          </a:p>
-          <a:p>
-            <a:pPr lvl="1" indent="-228600" defTabSz="914400" eaLnBrk="1" hangingPunct="1">
-              <a:lnSpc>
-                <a:spcPct val="90000"/>
-              </a:lnSpc>
-              <a:buFont typeface="Arial" panose="020B0604020202020204" pitchFamily="34" charset="0"/>
-              <a:buChar char="•"/>
-            </a:pPr>
-            <a:r>
-              <a:rPr lang="en-US" sz="2000" dirty="0" err="1">
-                <a:solidFill>
-                  <a:srgbClr val="404040"/>
-                </a:solidFill>
-                <a:ea typeface="+mn-ea"/>
-              </a:rPr>
-              <a:t>RMarkdown</a:t>
-            </a:r>
-            <a:endParaRPr lang="en-US" sz="2000" dirty="0">
-              <a:solidFill>
-                <a:srgbClr val="404040"/>
-              </a:solidFill>
-              <a:ea typeface="+mn-ea"/>
-            </a:endParaRPr>
-          </a:p>
-          <a:p>
-            <a:pPr marL="514350" lvl="1" indent="0" defTabSz="914400" eaLnBrk="1" hangingPunct="1">
-              <a:lnSpc>
-                <a:spcPct val="90000"/>
-              </a:lnSpc>
-              <a:buNone/>
-            </a:pPr>
-            <a:endParaRPr lang="en-US" sz="2000" dirty="0">
-              <a:solidFill>
-                <a:srgbClr val="404040"/>
-              </a:solidFill>
-              <a:ea typeface="+mn-ea"/>
-              <a:cs typeface="+mn-cs"/>
-            </a:endParaRPr>
-          </a:p>
-          <a:p>
-            <a:pPr marL="514350" lvl="1" indent="0" defTabSz="914400" eaLnBrk="1" hangingPunct="1">
-              <a:lnSpc>
-                <a:spcPct val="90000"/>
-              </a:lnSpc>
-              <a:buNone/>
-            </a:pPr>
-            <a:r>
-              <a:rPr lang="en-US" sz="2400" dirty="0">
-                <a:solidFill>
-                  <a:srgbClr val="404040"/>
-                </a:solidFill>
-                <a:ea typeface="+mn-ea"/>
-                <a:cs typeface="+mn-cs"/>
-              </a:rPr>
-              <a:t>	 Select Install and Search on CRAN</a:t>
-            </a:r>
           </a:p>
         </p:txBody>
       </p:sp>
@@ -10066,8 +10292,8 @@
         </p:nvSpPr>
         <p:spPr>
           <a:xfrm>
-            <a:off x="4086225" y="1211291"/>
-            <a:ext cx="4121195" cy="461665"/>
+            <a:off x="4495800" y="1524000"/>
+            <a:ext cx="2514600" cy="400110"/>
           </a:xfrm>
           <a:prstGeom prst="rect">
             <a:avLst/>
@@ -10099,31 +10325,15 @@
           <a:lstStyle/>
           <a:p>
             <a:r>
-              <a:rPr lang="en-US" dirty="0">
+              <a:rPr lang="en-US" sz="2000" dirty="0">
                 <a:solidFill>
                   <a:schemeClr val="bg1"/>
                 </a:solidFill>
               </a:rPr>
-              <a:t>&gt; </a:t>
-            </a:r>
-            <a:r>
-              <a:rPr lang="en-US" dirty="0" err="1">
-                <a:solidFill>
-                  <a:schemeClr val="bg1"/>
-                </a:solidFill>
-              </a:rPr>
-              <a:t>install.packages</a:t>
-            </a:r>
-            <a:r>
-              <a:rPr lang="en-US" dirty="0">
-                <a:solidFill>
-                  <a:schemeClr val="bg1"/>
-                </a:solidFill>
-              </a:rPr>
-              <a:t>(“</a:t>
-            </a:r>
-            <a:r>
-              <a:rPr lang="en-US" dirty="0" err="1">
+              <a:t>&gt;  library(“</a:t>
+            </a:r>
+            <a:r>
+              <a:rPr lang="en-US" sz="2000" dirty="0" err="1">
                 <a:solidFill>
                   <a:schemeClr val="bg1"/>
                 </a:solidFill>
@@ -10131,7 +10341,7 @@
               <a:t>tidyverse</a:t>
             </a:r>
             <a:r>
-              <a:rPr lang="en-US" dirty="0">
+              <a:rPr lang="en-US" sz="2000" dirty="0">
                 <a:solidFill>
                   <a:schemeClr val="bg1"/>
                 </a:solidFill>
@@ -10143,10 +10353,10 @@
       </p:sp>
       <p:pic>
         <p:nvPicPr>
-          <p:cNvPr id="9" name="Picture 8">
+          <p:cNvPr id="3" name="Picture 2">
             <a:extLst>
               <a:ext uri="{FF2B5EF4-FFF2-40B4-BE49-F238E27FC236}">
-                <a16:creationId xmlns:a16="http://schemas.microsoft.com/office/drawing/2014/main" id="{F2BF21DE-F956-4E5F-AC07-96F974BD3B59}"/>
+                <a16:creationId xmlns:a16="http://schemas.microsoft.com/office/drawing/2014/main" id="{15BBA3F4-A716-4D61-955D-BD19B6476E50}"/>
               </a:ext>
             </a:extLst>
           </p:cNvPr>
@@ -10163,68 +10373,40 @@
         </p:blipFill>
         <p:spPr>
           <a:xfrm>
-            <a:off x="3915944" y="3824288"/>
-            <a:ext cx="5075654" cy="2957512"/>
+            <a:off x="3632496" y="2702983"/>
+            <a:ext cx="5452304" cy="3511550"/>
           </a:xfrm>
           <a:prstGeom prst="rect">
             <a:avLst/>
           </a:prstGeom>
-        </p:spPr>
-      </p:pic>
-      <p:sp>
-        <p:nvSpPr>
-          <p:cNvPr id="13" name="Arrow: Right 12">
-            <a:extLst>
-              <a:ext uri="{FF2B5EF4-FFF2-40B4-BE49-F238E27FC236}">
-                <a16:creationId xmlns:a16="http://schemas.microsoft.com/office/drawing/2014/main" id="{1304B3EE-7698-44E2-BA90-60A98037538D}"/>
-              </a:ext>
-            </a:extLst>
-          </p:cNvPr>
-          <p:cNvSpPr/>
-          <p:nvPr/>
-        </p:nvSpPr>
-        <p:spPr>
-          <a:xfrm rot="7434494">
-            <a:off x="4109660" y="3734933"/>
-            <a:ext cx="694002" cy="178709"/>
-          </a:xfrm>
-          <a:prstGeom prst="rightArrow">
-            <a:avLst/>
-          </a:prstGeom>
-          <a:solidFill>
-            <a:srgbClr val="404040"/>
-          </a:solidFill>
+          <a:ln>
+            <a:solidFill>
+              <a:srgbClr val="404040"/>
+            </a:solidFill>
+          </a:ln>
         </p:spPr>
         <p:style>
-          <a:lnRef idx="1">
-            <a:schemeClr val="accent1"/>
+          <a:lnRef idx="2">
+            <a:schemeClr val="dk1"/>
           </a:lnRef>
-          <a:fillRef idx="3">
-            <a:schemeClr val="accent1"/>
+          <a:fillRef idx="1">
+            <a:schemeClr val="lt1"/>
           </a:fillRef>
-          <a:effectRef idx="2">
-            <a:schemeClr val="accent1"/>
+          <a:effectRef idx="0">
+            <a:schemeClr val="dk1"/>
           </a:effectRef>
           <a:fontRef idx="minor">
-            <a:schemeClr val="lt1"/>
+            <a:schemeClr val="dk1"/>
           </a:fontRef>
         </p:style>
-        <p:txBody>
-          <a:bodyPr rtlCol="0" anchor="ctr"/>
-          <a:lstStyle/>
-          <a:p>
-            <a:pPr algn="ctr"/>
-            <a:endParaRPr lang="en-US"/>
-          </a:p>
-        </p:txBody>
-      </p:sp>
+      </p:pic>
     </p:spTree>
     <p:custDataLst>
       <p:tags r:id="rId1"/>
     </p:custDataLst>
     <p:extLst>
       <p:ext uri="{BB962C8B-B14F-4D97-AF65-F5344CB8AC3E}">
-        <p14:creationId xmlns:p14="http://schemas.microsoft.com/office/powerpoint/2010/main" val="3769935585"/>
+        <p14:creationId xmlns:p14="http://schemas.microsoft.com/office/powerpoint/2010/main" val="3606041768"/>
       </p:ext>
     </p:extLst>
   </p:cSld>
@@ -10367,7 +10549,7 @@
                 <a:ea typeface="+mj-ea"/>
                 <a:cs typeface="+mj-cs"/>
               </a:rPr>
-              <a:t>Initial Steps in RStudio</a:t>
+              <a:t>ggplot2</a:t>
             </a:r>
           </a:p>
         </p:txBody>
@@ -10598,13 +10780,42 @@
                   <a:srgbClr val="404040"/>
                 </a:solidFill>
                 <a:ea typeface="+mn-ea"/>
-                <a:cs typeface="+mn-cs"/>
               </a:rPr>
-              <a:t>To Use the Package</a:t>
-            </a:r>
-          </a:p>
-          <a:p>
-            <a:pPr lvl="1" indent="-228600" defTabSz="914400" eaLnBrk="1" hangingPunct="1">
+              <a:t>Help Page: </a:t>
+            </a:r>
+            <a:r>
+              <a:rPr lang="en-US" sz="2400" dirty="0">
+                <a:solidFill>
+                  <a:srgbClr val="404040"/>
+                </a:solidFill>
+                <a:ea typeface="+mn-ea"/>
+                <a:hlinkClick r:id="rId4"/>
+              </a:rPr>
+              <a:t>Link</a:t>
+            </a:r>
+            <a:endParaRPr lang="en-US" sz="2400" dirty="0">
+              <a:solidFill>
+                <a:srgbClr val="404040"/>
+              </a:solidFill>
+              <a:ea typeface="+mn-ea"/>
+            </a:endParaRPr>
+          </a:p>
+          <a:p>
+            <a:pPr marL="114300" indent="0" defTabSz="914400" eaLnBrk="1" hangingPunct="1">
+              <a:lnSpc>
+                <a:spcPct val="90000"/>
+              </a:lnSpc>
+              <a:buNone/>
+            </a:pPr>
+            <a:endParaRPr lang="en-US" sz="2400" dirty="0">
+              <a:solidFill>
+                <a:srgbClr val="404040"/>
+              </a:solidFill>
+              <a:ea typeface="+mn-ea"/>
+            </a:endParaRPr>
+          </a:p>
+          <a:p>
+            <a:pPr indent="-228600" defTabSz="914400" eaLnBrk="1" hangingPunct="1">
               <a:lnSpc>
                 <a:spcPct val="90000"/>
               </a:lnSpc>
@@ -10612,14 +10823,257 @@
               <a:buChar char="•"/>
             </a:pPr>
             <a:r>
-              <a:rPr lang="en-US" sz="2000" dirty="0">
+              <a:rPr lang="en-US" sz="2400" dirty="0">
                 <a:solidFill>
                   <a:srgbClr val="404040"/>
                 </a:solidFill>
                 <a:ea typeface="+mn-ea"/>
                 <a:cs typeface="+mn-cs"/>
               </a:rPr>
-              <a:t>Code</a:t>
+              <a:t>Comes with Pre</a:t>
+            </a:r>
+            <a:r>
+              <a:rPr lang="en-US" sz="2400" dirty="0">
+                <a:solidFill>
+                  <a:srgbClr val="404040"/>
+                </a:solidFill>
+                <a:ea typeface="+mn-ea"/>
+              </a:rPr>
+              <a:t>loaded Datasets</a:t>
+            </a:r>
+            <a:r>
+              <a:rPr lang="en-US" sz="2400" dirty="0">
+                <a:solidFill>
+                  <a:srgbClr val="404040"/>
+                </a:solidFill>
+                <a:ea typeface="+mn-ea"/>
+                <a:cs typeface="+mn-cs"/>
+              </a:rPr>
+              <a:t> </a:t>
+            </a:r>
+          </a:p>
+          <a:p>
+            <a:pPr indent="-228600" defTabSz="914400" eaLnBrk="1" hangingPunct="1">
+              <a:lnSpc>
+                <a:spcPct val="90000"/>
+              </a:lnSpc>
+              <a:buFont typeface="Arial" panose="020B0604020202020204" pitchFamily="34" charset="0"/>
+              <a:buChar char="•"/>
+            </a:pPr>
+            <a:endParaRPr lang="en-US" sz="2400" dirty="0">
+              <a:solidFill>
+                <a:srgbClr val="404040"/>
+              </a:solidFill>
+              <a:ea typeface="+mn-ea"/>
+              <a:cs typeface="+mn-cs"/>
+            </a:endParaRPr>
+          </a:p>
+          <a:p>
+            <a:pPr indent="-228600" defTabSz="914400" eaLnBrk="1" hangingPunct="1">
+              <a:lnSpc>
+                <a:spcPct val="90000"/>
+              </a:lnSpc>
+              <a:buFont typeface="Arial" panose="020B0604020202020204" pitchFamily="34" charset="0"/>
+              <a:buChar char="•"/>
+            </a:pPr>
+            <a:endParaRPr lang="en-US" sz="2400" dirty="0">
+              <a:solidFill>
+                <a:srgbClr val="404040"/>
+              </a:solidFill>
+              <a:ea typeface="+mn-ea"/>
+              <a:cs typeface="+mn-cs"/>
+            </a:endParaRPr>
+          </a:p>
+          <a:p>
+            <a:pPr indent="-228600" defTabSz="914400" eaLnBrk="1" hangingPunct="1">
+              <a:lnSpc>
+                <a:spcPct val="90000"/>
+              </a:lnSpc>
+              <a:buFont typeface="Arial" panose="020B0604020202020204" pitchFamily="34" charset="0"/>
+              <a:buChar char="•"/>
+            </a:pPr>
+            <a:endParaRPr lang="en-US" sz="2400" dirty="0">
+              <a:solidFill>
+                <a:srgbClr val="404040"/>
+              </a:solidFill>
+              <a:ea typeface="+mn-ea"/>
+              <a:cs typeface="+mn-cs"/>
+            </a:endParaRPr>
+          </a:p>
+          <a:p>
+            <a:pPr indent="-228600" defTabSz="914400" eaLnBrk="1" hangingPunct="1">
+              <a:lnSpc>
+                <a:spcPct val="90000"/>
+              </a:lnSpc>
+              <a:buFont typeface="Arial" panose="020B0604020202020204" pitchFamily="34" charset="0"/>
+              <a:buChar char="•"/>
+            </a:pPr>
+            <a:endParaRPr lang="en-US" sz="2400" dirty="0">
+              <a:solidFill>
+                <a:srgbClr val="404040"/>
+              </a:solidFill>
+              <a:ea typeface="+mn-ea"/>
+              <a:cs typeface="+mn-cs"/>
+            </a:endParaRPr>
+          </a:p>
+          <a:p>
+            <a:pPr indent="-228600" defTabSz="914400" eaLnBrk="1" hangingPunct="1">
+              <a:lnSpc>
+                <a:spcPct val="90000"/>
+              </a:lnSpc>
+              <a:buFont typeface="Arial" panose="020B0604020202020204" pitchFamily="34" charset="0"/>
+              <a:buChar char="•"/>
+            </a:pPr>
+            <a:endParaRPr lang="en-US" sz="2400" dirty="0">
+              <a:solidFill>
+                <a:srgbClr val="404040"/>
+              </a:solidFill>
+              <a:ea typeface="+mn-ea"/>
+              <a:cs typeface="+mn-cs"/>
+            </a:endParaRPr>
+          </a:p>
+          <a:p>
+            <a:pPr indent="-228600" defTabSz="914400" eaLnBrk="1" hangingPunct="1">
+              <a:lnSpc>
+                <a:spcPct val="90000"/>
+              </a:lnSpc>
+              <a:buFont typeface="Arial" panose="020B0604020202020204" pitchFamily="34" charset="0"/>
+              <a:buChar char="•"/>
+            </a:pPr>
+            <a:endParaRPr lang="en-US" sz="2400" dirty="0">
+              <a:solidFill>
+                <a:srgbClr val="404040"/>
+              </a:solidFill>
+              <a:ea typeface="+mn-ea"/>
+              <a:cs typeface="+mn-cs"/>
+            </a:endParaRPr>
+          </a:p>
+          <a:p>
+            <a:pPr indent="-228600" defTabSz="914400" eaLnBrk="1" hangingPunct="1">
+              <a:lnSpc>
+                <a:spcPct val="90000"/>
+              </a:lnSpc>
+              <a:buFont typeface="Arial" panose="020B0604020202020204" pitchFamily="34" charset="0"/>
+              <a:buChar char="•"/>
+            </a:pPr>
+            <a:endParaRPr lang="en-US" sz="2400" dirty="0">
+              <a:solidFill>
+                <a:srgbClr val="404040"/>
+              </a:solidFill>
+              <a:ea typeface="+mn-ea"/>
+              <a:cs typeface="+mn-cs"/>
+            </a:endParaRPr>
+          </a:p>
+          <a:p>
+            <a:pPr indent="-228600" defTabSz="914400" eaLnBrk="1" hangingPunct="1">
+              <a:lnSpc>
+                <a:spcPct val="90000"/>
+              </a:lnSpc>
+              <a:buFont typeface="Arial" panose="020B0604020202020204" pitchFamily="34" charset="0"/>
+              <a:buChar char="•"/>
+            </a:pPr>
+            <a:endParaRPr lang="en-US" sz="2400" dirty="0">
+              <a:solidFill>
+                <a:srgbClr val="404040"/>
+              </a:solidFill>
+              <a:ea typeface="+mn-ea"/>
+              <a:cs typeface="+mn-cs"/>
+            </a:endParaRPr>
+          </a:p>
+          <a:p>
+            <a:pPr indent="-228600" defTabSz="914400" eaLnBrk="1" hangingPunct="1">
+              <a:lnSpc>
+                <a:spcPct val="90000"/>
+              </a:lnSpc>
+              <a:buFont typeface="Arial" panose="020B0604020202020204" pitchFamily="34" charset="0"/>
+              <a:buChar char="•"/>
+            </a:pPr>
+            <a:endParaRPr lang="en-US" sz="2400" dirty="0">
+              <a:solidFill>
+                <a:srgbClr val="404040"/>
+              </a:solidFill>
+              <a:ea typeface="+mn-ea"/>
+              <a:cs typeface="+mn-cs"/>
+            </a:endParaRPr>
+          </a:p>
+          <a:p>
+            <a:pPr indent="-228600" defTabSz="914400" eaLnBrk="1" hangingPunct="1">
+              <a:lnSpc>
+                <a:spcPct val="90000"/>
+              </a:lnSpc>
+              <a:buFont typeface="Arial" panose="020B0604020202020204" pitchFamily="34" charset="0"/>
+              <a:buChar char="•"/>
+            </a:pPr>
+            <a:endParaRPr lang="en-US" sz="2400" dirty="0">
+              <a:solidFill>
+                <a:srgbClr val="404040"/>
+              </a:solidFill>
+              <a:ea typeface="+mn-ea"/>
+              <a:cs typeface="+mn-cs"/>
+            </a:endParaRPr>
+          </a:p>
+          <a:p>
+            <a:pPr indent="-228600" defTabSz="914400" eaLnBrk="1" hangingPunct="1">
+              <a:lnSpc>
+                <a:spcPct val="90000"/>
+              </a:lnSpc>
+              <a:buFont typeface="Arial" panose="020B0604020202020204" pitchFamily="34" charset="0"/>
+              <a:buChar char="•"/>
+            </a:pPr>
+            <a:endParaRPr lang="en-US" sz="2400" dirty="0">
+              <a:solidFill>
+                <a:srgbClr val="404040"/>
+              </a:solidFill>
+              <a:ea typeface="+mn-ea"/>
+              <a:cs typeface="+mn-cs"/>
+            </a:endParaRPr>
+          </a:p>
+          <a:p>
+            <a:pPr indent="-228600" defTabSz="914400" eaLnBrk="1" hangingPunct="1">
+              <a:lnSpc>
+                <a:spcPct val="90000"/>
+              </a:lnSpc>
+              <a:buFont typeface="Arial" panose="020B0604020202020204" pitchFamily="34" charset="0"/>
+              <a:buChar char="•"/>
+            </a:pPr>
+            <a:endParaRPr lang="en-US" sz="2400" dirty="0">
+              <a:solidFill>
+                <a:srgbClr val="404040"/>
+              </a:solidFill>
+              <a:ea typeface="+mn-ea"/>
+              <a:cs typeface="+mn-cs"/>
+            </a:endParaRPr>
+          </a:p>
+          <a:p>
+            <a:pPr marL="114300" indent="0" defTabSz="914400" eaLnBrk="1" hangingPunct="1">
+              <a:lnSpc>
+                <a:spcPct val="90000"/>
+              </a:lnSpc>
+              <a:buNone/>
+            </a:pPr>
+            <a:endParaRPr lang="en-US" sz="2400" dirty="0">
+              <a:solidFill>
+                <a:srgbClr val="404040"/>
+              </a:solidFill>
+              <a:ea typeface="+mn-ea"/>
+              <a:cs typeface="+mn-cs"/>
+            </a:endParaRPr>
+          </a:p>
+          <a:p>
+            <a:pPr marL="114300" indent="0" defTabSz="914400" eaLnBrk="1" hangingPunct="1">
+              <a:lnSpc>
+                <a:spcPct val="90000"/>
+              </a:lnSpc>
+              <a:buNone/>
+            </a:pPr>
+            <a:r>
+              <a:rPr lang="en-US" sz="2000" dirty="0">
+                <a:solidFill>
+                  <a:srgbClr val="404040"/>
+                </a:solidFill>
+                <a:ea typeface="+mn-ea"/>
+              </a:rPr>
+              <a:t>	</a:t>
             </a:r>
           </a:p>
           <a:p>
@@ -10638,48 +11092,13 @@
             </a:endParaRPr>
           </a:p>
           <a:p>
-            <a:pPr marL="514350" lvl="1" indent="0" defTabSz="914400" eaLnBrk="1" hangingPunct="1">
+            <a:pPr marL="114300" indent="0" defTabSz="914400" eaLnBrk="1" hangingPunct="1">
               <a:lnSpc>
                 <a:spcPct val="90000"/>
               </a:lnSpc>
               <a:buNone/>
             </a:pPr>
-            <a:endParaRPr lang="en-US" sz="2000" dirty="0">
-              <a:solidFill>
-                <a:srgbClr val="404040"/>
-              </a:solidFill>
-              <a:ea typeface="+mn-ea"/>
-            </a:endParaRPr>
-          </a:p>
-          <a:p>
-            <a:pPr lvl="1" indent="-228600" defTabSz="914400" eaLnBrk="1" hangingPunct="1">
-              <a:lnSpc>
-                <a:spcPct val="90000"/>
-              </a:lnSpc>
-              <a:buFont typeface="Arial" panose="020B0604020202020204" pitchFamily="34" charset="0"/>
-              <a:buChar char="•"/>
-            </a:pPr>
-            <a:r>
-              <a:rPr lang="en-US" sz="2000" dirty="0">
-                <a:solidFill>
-                  <a:srgbClr val="404040"/>
-                </a:solidFill>
-                <a:ea typeface="+mn-ea"/>
-                <a:cs typeface="+mn-cs"/>
-              </a:rPr>
-              <a:t>Check Box for </a:t>
-            </a:r>
-            <a:r>
-              <a:rPr lang="en-US" sz="2000" dirty="0" err="1">
-                <a:solidFill>
-                  <a:srgbClr val="404040"/>
-                </a:solidFill>
-                <a:ea typeface="+mn-ea"/>
-                <a:cs typeface="+mn-cs"/>
-              </a:rPr>
-              <a:t>Tidyverse</a:t>
-            </a:r>
-            <a:endParaRPr lang="en-US" sz="2000" dirty="0">
+            <a:endParaRPr lang="en-US" sz="2400" dirty="0">
               <a:solidFill>
                 <a:srgbClr val="404040"/>
               </a:solidFill>
@@ -10689,85 +11108,12 @@
           </a:p>
         </p:txBody>
       </p:sp>
-      <p:sp>
-        <p:nvSpPr>
-          <p:cNvPr id="5" name="TextBox 4">
+      <p:pic>
+        <p:nvPicPr>
+          <p:cNvPr id="9" name="Picture 8">
             <a:extLst>
               <a:ext uri="{FF2B5EF4-FFF2-40B4-BE49-F238E27FC236}">
-                <a16:creationId xmlns:a16="http://schemas.microsoft.com/office/drawing/2014/main" id="{793E7647-6811-49AF-8ACC-635E9B51896A}"/>
-              </a:ext>
-            </a:extLst>
-          </p:cNvPr>
-          <p:cNvSpPr txBox="1"/>
-          <p:nvPr/>
-        </p:nvSpPr>
-        <p:spPr>
-          <a:xfrm>
-            <a:off x="4191000" y="1434215"/>
-            <a:ext cx="4121195" cy="461665"/>
-          </a:xfrm>
-          <a:prstGeom prst="rect">
-            <a:avLst/>
-          </a:prstGeom>
-          <a:solidFill>
-            <a:srgbClr val="404040"/>
-          </a:solidFill>
-        </p:spPr>
-        <p:style>
-          <a:lnRef idx="2">
-            <a:schemeClr val="dk1">
-              <a:shade val="50000"/>
-            </a:schemeClr>
-          </a:lnRef>
-          <a:fillRef idx="1">
-            <a:schemeClr val="dk1"/>
-          </a:fillRef>
-          <a:effectRef idx="0">
-            <a:schemeClr val="dk1"/>
-          </a:effectRef>
-          <a:fontRef idx="minor">
-            <a:schemeClr val="lt1"/>
-          </a:fontRef>
-        </p:style>
-        <p:txBody>
-          <a:bodyPr wrap="square" rtlCol="0">
-            <a:spAutoFit/>
-          </a:bodyPr>
-          <a:lstStyle/>
-          <a:p>
-            <a:r>
-              <a:rPr lang="en-US" dirty="0">
-                <a:solidFill>
-                  <a:schemeClr val="bg1"/>
-                </a:solidFill>
-              </a:rPr>
-              <a:t>&gt;  library(“</a:t>
-            </a:r>
-            <a:r>
-              <a:rPr lang="en-US" dirty="0" err="1">
-                <a:solidFill>
-                  <a:schemeClr val="bg1"/>
-                </a:solidFill>
-              </a:rPr>
-              <a:t>tidyverse</a:t>
-            </a:r>
-            <a:r>
-              <a:rPr lang="en-US" dirty="0">
-                <a:solidFill>
-                  <a:schemeClr val="bg1"/>
-                </a:solidFill>
-              </a:rPr>
-              <a:t>”)</a:t>
-            </a:r>
-          </a:p>
-        </p:txBody>
-      </p:sp>
-      <p:pic>
-        <p:nvPicPr>
-          <p:cNvPr id="3" name="Picture 2">
-            <a:extLst>
-              <a:ext uri="{FF2B5EF4-FFF2-40B4-BE49-F238E27FC236}">
-                <a16:creationId xmlns:a16="http://schemas.microsoft.com/office/drawing/2014/main" id="{15BBA3F4-A716-4D61-955D-BD19B6476E50}"/>
+                <a16:creationId xmlns:a16="http://schemas.microsoft.com/office/drawing/2014/main" id="{F232BC03-CA48-4DEA-B40E-6867246AAFA5}"/>
               </a:ext>
             </a:extLst>
           </p:cNvPr>
@@ -10777,20 +11123,39 @@
           <p:nvPr/>
         </p:nvPicPr>
         <p:blipFill>
-          <a:blip r:embed="rId4"/>
+          <a:blip r:embed="rId5"/>
           <a:stretch>
             <a:fillRect/>
           </a:stretch>
         </p:blipFill>
         <p:spPr>
           <a:xfrm>
-            <a:off x="3733800" y="2505075"/>
-            <a:ext cx="5146659" cy="3314700"/>
+            <a:off x="3632496" y="1905000"/>
+            <a:ext cx="5355932" cy="4359313"/>
           </a:xfrm>
           <a:prstGeom prst="rect">
             <a:avLst/>
           </a:prstGeom>
+          <a:ln>
+            <a:solidFill>
+              <a:srgbClr val="404040"/>
+            </a:solidFill>
+          </a:ln>
         </p:spPr>
+        <p:style>
+          <a:lnRef idx="2">
+            <a:schemeClr val="dk1"/>
+          </a:lnRef>
+          <a:fillRef idx="1">
+            <a:schemeClr val="lt1"/>
+          </a:fillRef>
+          <a:effectRef idx="0">
+            <a:schemeClr val="dk1"/>
+          </a:effectRef>
+          <a:fontRef idx="minor">
+            <a:schemeClr val="dk1"/>
+          </a:fontRef>
+        </p:style>
       </p:pic>
     </p:spTree>
     <p:custDataLst>
@@ -10798,7 +11163,7 @@
     </p:custDataLst>
     <p:extLst>
       <p:ext uri="{BB962C8B-B14F-4D97-AF65-F5344CB8AC3E}">
-        <p14:creationId xmlns:p14="http://schemas.microsoft.com/office/powerpoint/2010/main" val="3606041768"/>
+        <p14:creationId xmlns:p14="http://schemas.microsoft.com/office/powerpoint/2010/main" val="668321165"/>
       </p:ext>
     </p:extLst>
   </p:cSld>
@@ -10946,36 +11311,6 @@
           </a:p>
         </p:txBody>
       </p:sp>
-      <p:pic>
-        <p:nvPicPr>
-          <p:cNvPr id="8" name="Picture 7">
-            <a:extLst>
-              <a:ext uri="{FF2B5EF4-FFF2-40B4-BE49-F238E27FC236}">
-                <a16:creationId xmlns:a16="http://schemas.microsoft.com/office/drawing/2014/main" id="{521D4292-9ECC-4DA5-8CC0-C561A0DA118E}"/>
-              </a:ext>
-            </a:extLst>
-          </p:cNvPr>
-          <p:cNvPicPr>
-            <a:picLocks noChangeAspect="1"/>
-          </p:cNvPicPr>
-          <p:nvPr/>
-        </p:nvPicPr>
-        <p:blipFill rotWithShape="1">
-          <a:blip r:embed="rId3"/>
-          <a:srcRect l="8000" r="9400"/>
-          <a:stretch/>
-        </p:blipFill>
-        <p:spPr>
-          <a:xfrm>
-            <a:off x="660103" y="3048000"/>
-            <a:ext cx="2167974" cy="2624666"/>
-          </a:xfrm>
-          <a:prstGeom prst="rect">
-            <a:avLst/>
-          </a:prstGeom>
-          <a:noFill/>
-        </p:spPr>
-      </p:pic>
       <p:sp>
         <p:nvSpPr>
           <p:cNvPr id="10" name="Content Placeholder 2">
@@ -11159,267 +11494,35 @@
             </a:lvl9pPr>
           </a:lstStyle>
           <a:p>
-            <a:pPr indent="-228600" defTabSz="914400" eaLnBrk="1" hangingPunct="1">
+            <a:pPr marL="114300" indent="0" defTabSz="914400" eaLnBrk="1" hangingPunct="1">
+              <a:lnSpc>
+                <a:spcPct val="90000"/>
+              </a:lnSpc>
+              <a:buNone/>
+            </a:pPr>
+            <a:r>
+              <a:rPr lang="en-US" sz="2000" dirty="0">
+                <a:solidFill>
+                  <a:srgbClr val="404040"/>
+                </a:solidFill>
+                <a:ea typeface="+mn-ea"/>
+              </a:rPr>
+              <a:t>	</a:t>
+            </a:r>
+          </a:p>
+          <a:p>
+            <a:pPr lvl="1" indent="-228600" defTabSz="914400" eaLnBrk="1" hangingPunct="1">
               <a:lnSpc>
                 <a:spcPct val="90000"/>
               </a:lnSpc>
               <a:buFont typeface="Arial" panose="020B0604020202020204" pitchFamily="34" charset="0"/>
               <a:buChar char="•"/>
             </a:pPr>
-            <a:r>
-              <a:rPr lang="en-US" sz="2400" dirty="0">
-                <a:solidFill>
-                  <a:srgbClr val="404040"/>
-                </a:solidFill>
-                <a:ea typeface="+mn-ea"/>
-              </a:rPr>
-              <a:t>Help Page: </a:t>
-            </a:r>
-            <a:r>
-              <a:rPr lang="en-US" sz="2400" dirty="0">
-                <a:solidFill>
-                  <a:srgbClr val="404040"/>
-                </a:solidFill>
-                <a:ea typeface="+mn-ea"/>
-                <a:hlinkClick r:id="rId4"/>
-              </a:rPr>
-              <a:t>Link</a:t>
-            </a:r>
-            <a:endParaRPr lang="en-US" sz="2400" dirty="0">
+            <a:endParaRPr lang="en-US" sz="2000" dirty="0">
               <a:solidFill>
                 <a:srgbClr val="404040"/>
               </a:solidFill>
               <a:ea typeface="+mn-ea"/>
-            </a:endParaRPr>
-          </a:p>
-          <a:p>
-            <a:pPr indent="-228600" defTabSz="914400" eaLnBrk="1" hangingPunct="1">
-              <a:lnSpc>
-                <a:spcPct val="90000"/>
-              </a:lnSpc>
-              <a:buFont typeface="Arial" panose="020B0604020202020204" pitchFamily="34" charset="0"/>
-              <a:buChar char="•"/>
-            </a:pPr>
-            <a:r>
-              <a:rPr lang="en-US" sz="2400" dirty="0">
-                <a:solidFill>
-                  <a:srgbClr val="404040"/>
-                </a:solidFill>
-                <a:ea typeface="+mn-ea"/>
-                <a:cs typeface="+mn-cs"/>
-              </a:rPr>
-              <a:t>Comes with Pre</a:t>
-            </a:r>
-            <a:r>
-              <a:rPr lang="en-US" sz="2400" dirty="0">
-                <a:solidFill>
-                  <a:srgbClr val="404040"/>
-                </a:solidFill>
-                <a:ea typeface="+mn-ea"/>
-              </a:rPr>
-              <a:t>loaded Datasets</a:t>
-            </a:r>
-            <a:r>
-              <a:rPr lang="en-US" sz="2400" dirty="0">
-                <a:solidFill>
-                  <a:srgbClr val="404040"/>
-                </a:solidFill>
-                <a:ea typeface="+mn-ea"/>
-                <a:cs typeface="+mn-cs"/>
-              </a:rPr>
-              <a:t> </a:t>
-            </a:r>
-          </a:p>
-          <a:p>
-            <a:pPr indent="-228600" defTabSz="914400" eaLnBrk="1" hangingPunct="1">
-              <a:lnSpc>
-                <a:spcPct val="90000"/>
-              </a:lnSpc>
-              <a:buFont typeface="Arial" panose="020B0604020202020204" pitchFamily="34" charset="0"/>
-              <a:buChar char="•"/>
-            </a:pPr>
-            <a:endParaRPr lang="en-US" sz="2400" dirty="0">
-              <a:solidFill>
-                <a:srgbClr val="404040"/>
-              </a:solidFill>
-              <a:ea typeface="+mn-ea"/>
-              <a:cs typeface="+mn-cs"/>
-            </a:endParaRPr>
-          </a:p>
-          <a:p>
-            <a:pPr indent="-228600" defTabSz="914400" eaLnBrk="1" hangingPunct="1">
-              <a:lnSpc>
-                <a:spcPct val="90000"/>
-              </a:lnSpc>
-              <a:buFont typeface="Arial" panose="020B0604020202020204" pitchFamily="34" charset="0"/>
-              <a:buChar char="•"/>
-            </a:pPr>
-            <a:endParaRPr lang="en-US" sz="2400" dirty="0">
-              <a:solidFill>
-                <a:srgbClr val="404040"/>
-              </a:solidFill>
-              <a:ea typeface="+mn-ea"/>
-              <a:cs typeface="+mn-cs"/>
-            </a:endParaRPr>
-          </a:p>
-          <a:p>
-            <a:pPr indent="-228600" defTabSz="914400" eaLnBrk="1" hangingPunct="1">
-              <a:lnSpc>
-                <a:spcPct val="90000"/>
-              </a:lnSpc>
-              <a:buFont typeface="Arial" panose="020B0604020202020204" pitchFamily="34" charset="0"/>
-              <a:buChar char="•"/>
-            </a:pPr>
-            <a:endParaRPr lang="en-US" sz="2400" dirty="0">
-              <a:solidFill>
-                <a:srgbClr val="404040"/>
-              </a:solidFill>
-              <a:ea typeface="+mn-ea"/>
-              <a:cs typeface="+mn-cs"/>
-            </a:endParaRPr>
-          </a:p>
-          <a:p>
-            <a:pPr indent="-228600" defTabSz="914400" eaLnBrk="1" hangingPunct="1">
-              <a:lnSpc>
-                <a:spcPct val="90000"/>
-              </a:lnSpc>
-              <a:buFont typeface="Arial" panose="020B0604020202020204" pitchFamily="34" charset="0"/>
-              <a:buChar char="•"/>
-            </a:pPr>
-            <a:endParaRPr lang="en-US" sz="2400" dirty="0">
-              <a:solidFill>
-                <a:srgbClr val="404040"/>
-              </a:solidFill>
-              <a:ea typeface="+mn-ea"/>
-              <a:cs typeface="+mn-cs"/>
-            </a:endParaRPr>
-          </a:p>
-          <a:p>
-            <a:pPr indent="-228600" defTabSz="914400" eaLnBrk="1" hangingPunct="1">
-              <a:lnSpc>
-                <a:spcPct val="90000"/>
-              </a:lnSpc>
-              <a:buFont typeface="Arial" panose="020B0604020202020204" pitchFamily="34" charset="0"/>
-              <a:buChar char="•"/>
-            </a:pPr>
-            <a:endParaRPr lang="en-US" sz="2400" dirty="0">
-              <a:solidFill>
-                <a:srgbClr val="404040"/>
-              </a:solidFill>
-              <a:ea typeface="+mn-ea"/>
-              <a:cs typeface="+mn-cs"/>
-            </a:endParaRPr>
-          </a:p>
-          <a:p>
-            <a:pPr indent="-228600" defTabSz="914400" eaLnBrk="1" hangingPunct="1">
-              <a:lnSpc>
-                <a:spcPct val="90000"/>
-              </a:lnSpc>
-              <a:buFont typeface="Arial" panose="020B0604020202020204" pitchFamily="34" charset="0"/>
-              <a:buChar char="•"/>
-            </a:pPr>
-            <a:endParaRPr lang="en-US" sz="2400" dirty="0">
-              <a:solidFill>
-                <a:srgbClr val="404040"/>
-              </a:solidFill>
-              <a:ea typeface="+mn-ea"/>
-              <a:cs typeface="+mn-cs"/>
-            </a:endParaRPr>
-          </a:p>
-          <a:p>
-            <a:pPr indent="-228600" defTabSz="914400" eaLnBrk="1" hangingPunct="1">
-              <a:lnSpc>
-                <a:spcPct val="90000"/>
-              </a:lnSpc>
-              <a:buFont typeface="Arial" panose="020B0604020202020204" pitchFamily="34" charset="0"/>
-              <a:buChar char="•"/>
-            </a:pPr>
-            <a:endParaRPr lang="en-US" sz="2400" dirty="0">
-              <a:solidFill>
-                <a:srgbClr val="404040"/>
-              </a:solidFill>
-              <a:ea typeface="+mn-ea"/>
-              <a:cs typeface="+mn-cs"/>
-            </a:endParaRPr>
-          </a:p>
-          <a:p>
-            <a:pPr indent="-228600" defTabSz="914400" eaLnBrk="1" hangingPunct="1">
-              <a:lnSpc>
-                <a:spcPct val="90000"/>
-              </a:lnSpc>
-              <a:buFont typeface="Arial" panose="020B0604020202020204" pitchFamily="34" charset="0"/>
-              <a:buChar char="•"/>
-            </a:pPr>
-            <a:endParaRPr lang="en-US" sz="2400" dirty="0">
-              <a:solidFill>
-                <a:srgbClr val="404040"/>
-              </a:solidFill>
-              <a:ea typeface="+mn-ea"/>
-              <a:cs typeface="+mn-cs"/>
-            </a:endParaRPr>
-          </a:p>
-          <a:p>
-            <a:pPr indent="-228600" defTabSz="914400" eaLnBrk="1" hangingPunct="1">
-              <a:lnSpc>
-                <a:spcPct val="90000"/>
-              </a:lnSpc>
-              <a:buFont typeface="Arial" panose="020B0604020202020204" pitchFamily="34" charset="0"/>
-              <a:buChar char="•"/>
-            </a:pPr>
-            <a:endParaRPr lang="en-US" sz="2400" dirty="0">
-              <a:solidFill>
-                <a:srgbClr val="404040"/>
-              </a:solidFill>
-              <a:ea typeface="+mn-ea"/>
-              <a:cs typeface="+mn-cs"/>
-            </a:endParaRPr>
-          </a:p>
-          <a:p>
-            <a:pPr indent="-228600" defTabSz="914400" eaLnBrk="1" hangingPunct="1">
-              <a:lnSpc>
-                <a:spcPct val="90000"/>
-              </a:lnSpc>
-              <a:buFont typeface="Arial" panose="020B0604020202020204" pitchFamily="34" charset="0"/>
-              <a:buChar char="•"/>
-            </a:pPr>
-            <a:endParaRPr lang="en-US" sz="2400" dirty="0">
-              <a:solidFill>
-                <a:srgbClr val="404040"/>
-              </a:solidFill>
-              <a:ea typeface="+mn-ea"/>
-              <a:cs typeface="+mn-cs"/>
-            </a:endParaRPr>
-          </a:p>
-          <a:p>
-            <a:pPr indent="-228600" defTabSz="914400" eaLnBrk="1" hangingPunct="1">
-              <a:lnSpc>
-                <a:spcPct val="90000"/>
-              </a:lnSpc>
-              <a:buFont typeface="Arial" panose="020B0604020202020204" pitchFamily="34" charset="0"/>
-              <a:buChar char="•"/>
-            </a:pPr>
-            <a:endParaRPr lang="en-US" sz="2400" dirty="0">
-              <a:solidFill>
-                <a:srgbClr val="404040"/>
-              </a:solidFill>
-              <a:ea typeface="+mn-ea"/>
-              <a:cs typeface="+mn-cs"/>
-            </a:endParaRPr>
-          </a:p>
-          <a:p>
-            <a:pPr indent="-228600" defTabSz="914400" eaLnBrk="1" hangingPunct="1">
-              <a:lnSpc>
-                <a:spcPct val="90000"/>
-              </a:lnSpc>
-              <a:buFont typeface="Arial" panose="020B0604020202020204" pitchFamily="34" charset="0"/>
-              <a:buChar char="•"/>
-            </a:pPr>
-            <a:endParaRPr lang="en-US" sz="2400" dirty="0">
-              <a:solidFill>
-                <a:srgbClr val="404040"/>
-              </a:solidFill>
-              <a:ea typeface="+mn-ea"/>
-              <a:cs typeface="+mn-cs"/>
             </a:endParaRPr>
           </a:p>
           <a:p>
@@ -11437,21 +11540,206 @@
               <a:cs typeface="+mn-cs"/>
             </a:endParaRPr>
           </a:p>
-          <a:p>
-            <a:pPr marL="114300" indent="0" defTabSz="914400" eaLnBrk="1" hangingPunct="1">
+        </p:txBody>
+      </p:sp>
+      <p:sp>
+        <p:nvSpPr>
+          <p:cNvPr id="7" name="Content Placeholder 2">
+            <a:extLst>
+              <a:ext uri="{FF2B5EF4-FFF2-40B4-BE49-F238E27FC236}">
+                <a16:creationId xmlns:a16="http://schemas.microsoft.com/office/drawing/2014/main" id="{7A9F314C-A613-4659-B76B-9B779BEB9247}"/>
+              </a:ext>
+            </a:extLst>
+          </p:cNvPr>
+          <p:cNvSpPr txBox="1">
+            <a:spLocks/>
+          </p:cNvSpPr>
+          <p:nvPr/>
+        </p:nvSpPr>
+        <p:spPr bwMode="auto">
+          <a:xfrm>
+            <a:off x="3632495" y="677334"/>
+            <a:ext cx="5359103" cy="5833533"/>
+          </a:xfrm>
+          <a:prstGeom prst="rect">
+            <a:avLst/>
+          </a:prstGeom>
+        </p:spPr>
+        <p:txBody>
+          <a:bodyPr vert="horz" lIns="91440" tIns="45720" rIns="91440" bIns="45720" numCol="1" rtlCol="0" anchorCtr="0" compatLnSpc="1">
+            <a:prstTxWarp prst="textNoShape">
+              <a:avLst/>
+            </a:prstTxWarp>
+            <a:noAutofit/>
+          </a:bodyPr>
+          <a:lstStyle>
+            <a:lvl1pPr marL="342900" indent="-342900" algn="l" defTabSz="457200" rtl="0" eaLnBrk="0" fontAlgn="base" hangingPunct="0">
+              <a:spcBef>
+                <a:spcPct val="20000"/>
+              </a:spcBef>
+              <a:spcAft>
+                <a:spcPct val="0"/>
+              </a:spcAft>
+              <a:buFont typeface="Arial" charset="0"/>
+              <a:buChar char="•"/>
+              <a:defRPr sz="3200" kern="1200">
+                <a:solidFill>
+                  <a:schemeClr val="tx1"/>
+                </a:solidFill>
+                <a:latin typeface="+mn-lt"/>
+                <a:ea typeface="ＭＳ Ｐゴシック" pitchFamily="-109" charset="-128"/>
+                <a:cs typeface="ＭＳ Ｐゴシック" pitchFamily="-109" charset="-128"/>
+              </a:defRPr>
+            </a:lvl1pPr>
+            <a:lvl2pPr marL="742950" indent="-285750" algn="l" defTabSz="457200" rtl="0" eaLnBrk="0" fontAlgn="base" hangingPunct="0">
+              <a:spcBef>
+                <a:spcPct val="20000"/>
+              </a:spcBef>
+              <a:spcAft>
+                <a:spcPct val="0"/>
+              </a:spcAft>
+              <a:buFont typeface="Arial" charset="0"/>
+              <a:buChar char="–"/>
+              <a:defRPr sz="2800" kern="1200">
+                <a:solidFill>
+                  <a:schemeClr val="tx1"/>
+                </a:solidFill>
+                <a:latin typeface="+mn-lt"/>
+                <a:ea typeface="ＭＳ Ｐゴシック" pitchFamily="-109" charset="-128"/>
+                <a:cs typeface="+mn-cs"/>
+              </a:defRPr>
+            </a:lvl2pPr>
+            <a:lvl3pPr marL="1143000" indent="-228600" algn="l" defTabSz="457200" rtl="0" eaLnBrk="0" fontAlgn="base" hangingPunct="0">
+              <a:spcBef>
+                <a:spcPct val="20000"/>
+              </a:spcBef>
+              <a:spcAft>
+                <a:spcPct val="0"/>
+              </a:spcAft>
+              <a:buFont typeface="Arial" charset="0"/>
+              <a:buChar char="•"/>
+              <a:defRPr sz="2400" kern="1200">
+                <a:solidFill>
+                  <a:schemeClr val="tx1"/>
+                </a:solidFill>
+                <a:latin typeface="+mn-lt"/>
+                <a:ea typeface="ＭＳ Ｐゴシック" pitchFamily="-109" charset="-128"/>
+                <a:cs typeface="+mn-cs"/>
+              </a:defRPr>
+            </a:lvl3pPr>
+            <a:lvl4pPr marL="1600200" indent="-228600" algn="l" defTabSz="457200" rtl="0" eaLnBrk="0" fontAlgn="base" hangingPunct="0">
+              <a:spcBef>
+                <a:spcPct val="20000"/>
+              </a:spcBef>
+              <a:spcAft>
+                <a:spcPct val="0"/>
+              </a:spcAft>
+              <a:buFont typeface="Arial" charset="0"/>
+              <a:buChar char="–"/>
+              <a:defRPr sz="2000" kern="1200">
+                <a:solidFill>
+                  <a:schemeClr val="tx1"/>
+                </a:solidFill>
+                <a:latin typeface="+mn-lt"/>
+                <a:ea typeface="ＭＳ Ｐゴシック" pitchFamily="-109" charset="-128"/>
+                <a:cs typeface="+mn-cs"/>
+              </a:defRPr>
+            </a:lvl4pPr>
+            <a:lvl5pPr marL="2057400" indent="-228600" algn="l" defTabSz="457200" rtl="0" eaLnBrk="0" fontAlgn="base" hangingPunct="0">
+              <a:spcBef>
+                <a:spcPct val="20000"/>
+              </a:spcBef>
+              <a:spcAft>
+                <a:spcPct val="0"/>
+              </a:spcAft>
+              <a:buFont typeface="Arial" charset="0"/>
+              <a:buChar char="»"/>
+              <a:defRPr sz="2000" kern="1200">
+                <a:solidFill>
+                  <a:schemeClr val="tx1"/>
+                </a:solidFill>
+                <a:latin typeface="+mn-lt"/>
+                <a:ea typeface="ＭＳ Ｐゴシック" pitchFamily="-109" charset="-128"/>
+                <a:cs typeface="+mn-cs"/>
+              </a:defRPr>
+            </a:lvl5pPr>
+            <a:lvl6pPr marL="2514600" indent="-228600" algn="l" defTabSz="457200" rtl="0" eaLnBrk="1" latinLnBrk="0" hangingPunct="1">
+              <a:spcBef>
+                <a:spcPct val="20000"/>
+              </a:spcBef>
+              <a:buFont typeface="Arial"/>
+              <a:buChar char="•"/>
+              <a:defRPr sz="2000" kern="1200">
+                <a:solidFill>
+                  <a:schemeClr val="tx1"/>
+                </a:solidFill>
+                <a:latin typeface="+mn-lt"/>
+                <a:ea typeface="+mn-ea"/>
+                <a:cs typeface="+mn-cs"/>
+              </a:defRPr>
+            </a:lvl6pPr>
+            <a:lvl7pPr marL="2971800" indent="-228600" algn="l" defTabSz="457200" rtl="0" eaLnBrk="1" latinLnBrk="0" hangingPunct="1">
+              <a:spcBef>
+                <a:spcPct val="20000"/>
+              </a:spcBef>
+              <a:buFont typeface="Arial"/>
+              <a:buChar char="•"/>
+              <a:defRPr sz="2000" kern="1200">
+                <a:solidFill>
+                  <a:schemeClr val="tx1"/>
+                </a:solidFill>
+                <a:latin typeface="+mn-lt"/>
+                <a:ea typeface="+mn-ea"/>
+                <a:cs typeface="+mn-cs"/>
+              </a:defRPr>
+            </a:lvl7pPr>
+            <a:lvl8pPr marL="3429000" indent="-228600" algn="l" defTabSz="457200" rtl="0" eaLnBrk="1" latinLnBrk="0" hangingPunct="1">
+              <a:spcBef>
+                <a:spcPct val="20000"/>
+              </a:spcBef>
+              <a:buFont typeface="Arial"/>
+              <a:buChar char="•"/>
+              <a:defRPr sz="2000" kern="1200">
+                <a:solidFill>
+                  <a:schemeClr val="tx1"/>
+                </a:solidFill>
+                <a:latin typeface="+mn-lt"/>
+                <a:ea typeface="+mn-ea"/>
+                <a:cs typeface="+mn-cs"/>
+              </a:defRPr>
+            </a:lvl8pPr>
+            <a:lvl9pPr marL="3886200" indent="-228600" algn="l" defTabSz="457200" rtl="0" eaLnBrk="1" latinLnBrk="0" hangingPunct="1">
+              <a:spcBef>
+                <a:spcPct val="20000"/>
+              </a:spcBef>
+              <a:buFont typeface="Arial"/>
+              <a:buChar char="•"/>
+              <a:defRPr sz="2000" kern="1200">
+                <a:solidFill>
+                  <a:schemeClr val="tx1"/>
+                </a:solidFill>
+                <a:latin typeface="+mn-lt"/>
+                <a:ea typeface="+mn-ea"/>
+                <a:cs typeface="+mn-cs"/>
+              </a:defRPr>
+            </a:lvl9pPr>
+          </a:lstStyle>
+          <a:p>
+            <a:pPr indent="-228600" defTabSz="914400" eaLnBrk="1" hangingPunct="1">
               <a:lnSpc>
                 <a:spcPct val="90000"/>
               </a:lnSpc>
-              <a:buNone/>
+              <a:buFont typeface="Arial" panose="020B0604020202020204" pitchFamily="34" charset="0"/>
+              <a:buChar char="•"/>
             </a:pPr>
             <a:r>
-              <a:rPr lang="en-US" sz="2000" dirty="0">
+              <a:rPr lang="en-US" sz="2400" dirty="0">
                 <a:solidFill>
                   <a:srgbClr val="404040"/>
                 </a:solidFill>
                 <a:ea typeface="+mn-ea"/>
               </a:rPr>
-              <a:t>	</a:t>
+              <a:t>Many Useful Plots and Charts Provided</a:t>
             </a:r>
           </a:p>
           <a:p>
@@ -11462,12 +11750,204 @@
               <a:buFont typeface="Arial" panose="020B0604020202020204" pitchFamily="34" charset="0"/>
               <a:buChar char="•"/>
             </a:pPr>
-            <a:endParaRPr lang="en-US" sz="2000" dirty="0">
+            <a:r>
+              <a:rPr lang="en-US" sz="2400" dirty="0">
+                <a:solidFill>
+                  <a:srgbClr val="404040"/>
+                </a:solidFill>
+                <a:ea typeface="+mn-ea"/>
+              </a:rPr>
+              <a:t>See Cheat Sheet: </a:t>
+            </a:r>
+            <a:r>
+              <a:rPr lang="en-US" sz="2400" dirty="0">
+                <a:solidFill>
+                  <a:srgbClr val="404040"/>
+                </a:solidFill>
+                <a:ea typeface="+mn-ea"/>
+                <a:hlinkClick r:id="rId3"/>
+              </a:rPr>
+              <a:t>Link</a:t>
+            </a:r>
+            <a:r>
+              <a:rPr lang="en-US" sz="2400" dirty="0">
+                <a:solidFill>
+                  <a:srgbClr val="404040"/>
+                </a:solidFill>
+                <a:ea typeface="+mn-ea"/>
+              </a:rPr>
+              <a:t> </a:t>
+            </a:r>
+          </a:p>
+          <a:p>
+            <a:pPr marL="514350" lvl="1" indent="0" defTabSz="914400" eaLnBrk="1" hangingPunct="1">
+              <a:lnSpc>
+                <a:spcPct val="90000"/>
+              </a:lnSpc>
+              <a:buNone/>
+            </a:pPr>
+            <a:r>
+              <a:rPr lang="en-US" sz="2400" dirty="0">
+                <a:solidFill>
+                  <a:srgbClr val="404040"/>
+                </a:solidFill>
+                <a:ea typeface="+mn-ea"/>
+              </a:rPr>
+              <a:t>	(Also on Course Website)</a:t>
+            </a:r>
+          </a:p>
+          <a:p>
+            <a:pPr marL="857250" lvl="1" indent="-342900" defTabSz="914400" eaLnBrk="1" hangingPunct="1">
+              <a:lnSpc>
+                <a:spcPct val="90000"/>
+              </a:lnSpc>
+              <a:buFont typeface="Arial" panose="020B0604020202020204" pitchFamily="34" charset="0"/>
+              <a:buChar char="•"/>
+            </a:pPr>
+            <a:r>
+              <a:rPr lang="en-US" sz="2400" dirty="0">
+                <a:solidFill>
+                  <a:srgbClr val="404040"/>
+                </a:solidFill>
+                <a:ea typeface="+mn-ea"/>
+              </a:rPr>
+              <a:t>Called </a:t>
+            </a:r>
+            <a:r>
+              <a:rPr lang="en-US" sz="2400" dirty="0" err="1">
+                <a:solidFill>
+                  <a:srgbClr val="404040"/>
+                </a:solidFill>
+                <a:ea typeface="+mn-ea"/>
+              </a:rPr>
+              <a:t>Geoms</a:t>
+            </a:r>
+            <a:r>
+              <a:rPr lang="en-US" sz="2400" dirty="0">
+                <a:solidFill>
+                  <a:srgbClr val="404040"/>
+                </a:solidFill>
+                <a:ea typeface="+mn-ea"/>
+              </a:rPr>
+              <a:t> (Geometric Objects)</a:t>
+            </a:r>
+          </a:p>
+          <a:p>
+            <a:pPr marL="857250" lvl="1" indent="-342900" defTabSz="914400" eaLnBrk="1" hangingPunct="1">
+              <a:lnSpc>
+                <a:spcPct val="90000"/>
+              </a:lnSpc>
+              <a:buFont typeface="Arial" panose="020B0604020202020204" pitchFamily="34" charset="0"/>
+              <a:buChar char="•"/>
+            </a:pPr>
+            <a:r>
+              <a:rPr lang="en-US" sz="2400" dirty="0">
+                <a:solidFill>
+                  <a:srgbClr val="404040"/>
+                </a:solidFill>
+              </a:rPr>
+              <a:t>The </a:t>
+            </a:r>
+            <a:r>
+              <a:rPr lang="en-US" sz="2400" dirty="0" err="1">
+                <a:solidFill>
+                  <a:srgbClr val="404040"/>
+                </a:solidFill>
+              </a:rPr>
+              <a:t>Geom</a:t>
+            </a:r>
+            <a:r>
+              <a:rPr lang="en-US" sz="2400" dirty="0">
+                <a:solidFill>
+                  <a:srgbClr val="404040"/>
+                </a:solidFill>
+              </a:rPr>
+              <a:t> you choose Must Comply with the Type of Variables You are Analyzing</a:t>
+            </a:r>
+          </a:p>
+          <a:p>
+            <a:pPr marL="514350" lvl="1" indent="0" defTabSz="914400" eaLnBrk="1" hangingPunct="1">
+              <a:lnSpc>
+                <a:spcPct val="90000"/>
+              </a:lnSpc>
+              <a:buNone/>
+            </a:pPr>
+            <a:endParaRPr lang="en-US" sz="2400" dirty="0">
               <a:solidFill>
                 <a:srgbClr val="404040"/>
               </a:solidFill>
               <a:ea typeface="+mn-ea"/>
             </a:endParaRPr>
+          </a:p>
+          <a:p>
+            <a:pPr marL="457200" defTabSz="914400" eaLnBrk="1" hangingPunct="1">
+              <a:lnSpc>
+                <a:spcPct val="90000"/>
+              </a:lnSpc>
+            </a:pPr>
+            <a:r>
+              <a:rPr lang="en-US" sz="2400" dirty="0">
+                <a:solidFill>
+                  <a:srgbClr val="404040"/>
+                </a:solidFill>
+                <a:ea typeface="+mn-ea"/>
+              </a:rPr>
+              <a:t>Organized by Type of Data</a:t>
+            </a:r>
+          </a:p>
+          <a:p>
+            <a:pPr marL="914400" lvl="1" indent="-342900" defTabSz="914400" eaLnBrk="1" hangingPunct="1">
+              <a:lnSpc>
+                <a:spcPct val="90000"/>
+              </a:lnSpc>
+              <a:buFont typeface="Arial" panose="020B0604020202020204" pitchFamily="34" charset="0"/>
+              <a:buChar char="•"/>
+            </a:pPr>
+            <a:r>
+              <a:rPr lang="en-US" sz="2400" dirty="0">
+                <a:solidFill>
+                  <a:srgbClr val="404040"/>
+                </a:solidFill>
+                <a:ea typeface="+mn-ea"/>
+              </a:rPr>
+              <a:t>Univariate</a:t>
+            </a:r>
+          </a:p>
+          <a:p>
+            <a:pPr marL="914400" lvl="1" indent="-342900" defTabSz="914400" eaLnBrk="1" hangingPunct="1">
+              <a:lnSpc>
+                <a:spcPct val="90000"/>
+              </a:lnSpc>
+              <a:buFont typeface="Arial" panose="020B0604020202020204" pitchFamily="34" charset="0"/>
+              <a:buChar char="•"/>
+            </a:pPr>
+            <a:r>
+              <a:rPr lang="en-US" sz="2400" dirty="0">
+                <a:solidFill>
+                  <a:srgbClr val="404040"/>
+                </a:solidFill>
+                <a:ea typeface="+mn-ea"/>
+              </a:rPr>
+              <a:t>Bivariate</a:t>
+            </a:r>
+          </a:p>
+          <a:p>
+            <a:pPr marL="914400" lvl="1" indent="-342900" defTabSz="914400" eaLnBrk="1" hangingPunct="1">
+              <a:lnSpc>
+                <a:spcPct val="90000"/>
+              </a:lnSpc>
+              <a:buFont typeface="Arial" panose="020B0604020202020204" pitchFamily="34" charset="0"/>
+              <a:buChar char="•"/>
+            </a:pPr>
+            <a:r>
+              <a:rPr lang="en-US" sz="2400" dirty="0">
+                <a:solidFill>
+                  <a:srgbClr val="404040"/>
+                </a:solidFill>
+                <a:ea typeface="+mn-ea"/>
+              </a:rPr>
+              <a:t>Mixtures of Categorical and Numeric</a:t>
+            </a:r>
           </a:p>
           <a:p>
             <a:pPr marL="114300" indent="0" defTabSz="914400" eaLnBrk="1" hangingPunct="1">
@@ -11491,7 +11971,7 @@
           <p:cNvPr id="9" name="Picture 8">
             <a:extLst>
               <a:ext uri="{FF2B5EF4-FFF2-40B4-BE49-F238E27FC236}">
-                <a16:creationId xmlns:a16="http://schemas.microsoft.com/office/drawing/2014/main" id="{F232BC03-CA48-4DEA-B40E-6867246AAFA5}"/>
+                <a16:creationId xmlns:a16="http://schemas.microsoft.com/office/drawing/2014/main" id="{9E061970-6F81-4FE5-AE2D-7B8AFF403BA7}"/>
               </a:ext>
             </a:extLst>
           </p:cNvPr>
@@ -11500,20 +11980,20 @@
           </p:cNvPicPr>
           <p:nvPr/>
         </p:nvPicPr>
-        <p:blipFill>
-          <a:blip r:embed="rId5"/>
-          <a:stretch>
-            <a:fillRect/>
-          </a:stretch>
+        <p:blipFill rotWithShape="1">
+          <a:blip r:embed="rId4"/>
+          <a:srcRect l="8000" r="9400"/>
+          <a:stretch/>
         </p:blipFill>
         <p:spPr>
           <a:xfrm>
-            <a:off x="3665683" y="1676400"/>
-            <a:ext cx="5355932" cy="4359313"/>
+            <a:off x="660103" y="3048000"/>
+            <a:ext cx="2167974" cy="2624666"/>
           </a:xfrm>
           <a:prstGeom prst="rect">
             <a:avLst/>
           </a:prstGeom>
+          <a:noFill/>
         </p:spPr>
       </p:pic>
     </p:spTree>
@@ -11522,7 +12002,7 @@
     </p:custDataLst>
     <p:extLst>
       <p:ext uri="{BB962C8B-B14F-4D97-AF65-F5344CB8AC3E}">
-        <p14:creationId xmlns:p14="http://schemas.microsoft.com/office/powerpoint/2010/main" val="668321165"/>
+        <p14:creationId xmlns:p14="http://schemas.microsoft.com/office/powerpoint/2010/main" val="3979720846"/>
       </p:ext>
     </p:extLst>
   </p:cSld>
@@ -11670,36 +12150,6 @@
           </a:p>
         </p:txBody>
       </p:sp>
-      <p:pic>
-        <p:nvPicPr>
-          <p:cNvPr id="8" name="Picture 7">
-            <a:extLst>
-              <a:ext uri="{FF2B5EF4-FFF2-40B4-BE49-F238E27FC236}">
-                <a16:creationId xmlns:a16="http://schemas.microsoft.com/office/drawing/2014/main" id="{521D4292-9ECC-4DA5-8CC0-C561A0DA118E}"/>
-              </a:ext>
-            </a:extLst>
-          </p:cNvPr>
-          <p:cNvPicPr>
-            <a:picLocks noChangeAspect="1"/>
-          </p:cNvPicPr>
-          <p:nvPr/>
-        </p:nvPicPr>
-        <p:blipFill rotWithShape="1">
-          <a:blip r:embed="rId3"/>
-          <a:srcRect l="8000" r="9400"/>
-          <a:stretch/>
-        </p:blipFill>
-        <p:spPr>
-          <a:xfrm>
-            <a:off x="1114678" y="2590800"/>
-            <a:ext cx="1258824" cy="1524000"/>
-          </a:xfrm>
-          <a:prstGeom prst="rect">
-            <a:avLst/>
-          </a:prstGeom>
-          <a:noFill/>
-        </p:spPr>
-      </p:pic>
       <p:sp>
         <p:nvSpPr>
           <p:cNvPr id="10" name="Content Placeholder 2">
@@ -12114,184 +12564,6 @@
             </a:lvl9pPr>
           </a:lstStyle>
           <a:p>
-            <a:pPr indent="-228600" defTabSz="914400" eaLnBrk="1" hangingPunct="1">
-              <a:lnSpc>
-                <a:spcPct val="90000"/>
-              </a:lnSpc>
-              <a:buFont typeface="Arial" panose="020B0604020202020204" pitchFamily="34" charset="0"/>
-              <a:buChar char="•"/>
-            </a:pPr>
-            <a:r>
-              <a:rPr lang="en-US" sz="2400" dirty="0">
-                <a:solidFill>
-                  <a:srgbClr val="404040"/>
-                </a:solidFill>
-                <a:ea typeface="+mn-ea"/>
-              </a:rPr>
-              <a:t>Many Useful Plots and Charts Provided</a:t>
-            </a:r>
-          </a:p>
-          <a:p>
-            <a:pPr lvl="1" indent="-228600" defTabSz="914400" eaLnBrk="1" hangingPunct="1">
-              <a:lnSpc>
-                <a:spcPct val="90000"/>
-              </a:lnSpc>
-              <a:buFont typeface="Arial" panose="020B0604020202020204" pitchFamily="34" charset="0"/>
-              <a:buChar char="•"/>
-            </a:pPr>
-            <a:r>
-              <a:rPr lang="en-US" sz="2000" dirty="0">
-                <a:solidFill>
-                  <a:srgbClr val="404040"/>
-                </a:solidFill>
-                <a:ea typeface="+mn-ea"/>
-              </a:rPr>
-              <a:t>See Cheat Sheet: </a:t>
-            </a:r>
-            <a:r>
-              <a:rPr lang="en-US" sz="2000" dirty="0">
-                <a:solidFill>
-                  <a:srgbClr val="404040"/>
-                </a:solidFill>
-                <a:ea typeface="+mn-ea"/>
-                <a:hlinkClick r:id="rId4"/>
-              </a:rPr>
-              <a:t>Link</a:t>
-            </a:r>
-            <a:r>
-              <a:rPr lang="en-US" sz="2000" dirty="0">
-                <a:solidFill>
-                  <a:srgbClr val="404040"/>
-                </a:solidFill>
-                <a:ea typeface="+mn-ea"/>
-              </a:rPr>
-              <a:t> </a:t>
-            </a:r>
-          </a:p>
-          <a:p>
-            <a:pPr marL="514350" lvl="1" indent="0" defTabSz="914400" eaLnBrk="1" hangingPunct="1">
-              <a:lnSpc>
-                <a:spcPct val="90000"/>
-              </a:lnSpc>
-              <a:buNone/>
-            </a:pPr>
-            <a:r>
-              <a:rPr lang="en-US" sz="2000" dirty="0">
-                <a:solidFill>
-                  <a:srgbClr val="404040"/>
-                </a:solidFill>
-                <a:ea typeface="+mn-ea"/>
-              </a:rPr>
-              <a:t>	(Also on Course Website)</a:t>
-            </a:r>
-          </a:p>
-          <a:p>
-            <a:pPr marL="857250" lvl="1" indent="-342900" defTabSz="914400" eaLnBrk="1" hangingPunct="1">
-              <a:lnSpc>
-                <a:spcPct val="90000"/>
-              </a:lnSpc>
-              <a:buFont typeface="Arial" panose="020B0604020202020204" pitchFamily="34" charset="0"/>
-              <a:buChar char="•"/>
-            </a:pPr>
-            <a:r>
-              <a:rPr lang="en-US" sz="2000" dirty="0">
-                <a:solidFill>
-                  <a:srgbClr val="404040"/>
-                </a:solidFill>
-                <a:ea typeface="+mn-ea"/>
-              </a:rPr>
-              <a:t>Identified as </a:t>
-            </a:r>
-            <a:r>
-              <a:rPr lang="en-US" sz="2000" dirty="0" err="1">
-                <a:solidFill>
-                  <a:srgbClr val="404040"/>
-                </a:solidFill>
-                <a:ea typeface="+mn-ea"/>
-              </a:rPr>
-              <a:t>Geoms</a:t>
-            </a:r>
-            <a:r>
-              <a:rPr lang="en-US" sz="2000" dirty="0">
-                <a:solidFill>
-                  <a:srgbClr val="404040"/>
-                </a:solidFill>
-                <a:ea typeface="+mn-ea"/>
-              </a:rPr>
-              <a:t> (Geometric Objects)</a:t>
-            </a:r>
-          </a:p>
-          <a:p>
-            <a:pPr marL="457200" defTabSz="914400" eaLnBrk="1" hangingPunct="1">
-              <a:lnSpc>
-                <a:spcPct val="90000"/>
-              </a:lnSpc>
-            </a:pPr>
-            <a:r>
-              <a:rPr lang="en-US" sz="2400" dirty="0">
-                <a:solidFill>
-                  <a:srgbClr val="404040"/>
-                </a:solidFill>
-                <a:ea typeface="+mn-ea"/>
-              </a:rPr>
-              <a:t>Organized by Type of Data</a:t>
-            </a:r>
-          </a:p>
-          <a:p>
-            <a:pPr marL="914400" lvl="1" indent="-342900" defTabSz="914400" eaLnBrk="1" hangingPunct="1">
-              <a:lnSpc>
-                <a:spcPct val="90000"/>
-              </a:lnSpc>
-              <a:buFont typeface="Arial" panose="020B0604020202020204" pitchFamily="34" charset="0"/>
-              <a:buChar char="•"/>
-            </a:pPr>
-            <a:r>
-              <a:rPr lang="en-US" sz="2000" dirty="0">
-                <a:solidFill>
-                  <a:srgbClr val="404040"/>
-                </a:solidFill>
-                <a:ea typeface="+mn-ea"/>
-              </a:rPr>
-              <a:t>Univariate</a:t>
-            </a:r>
-          </a:p>
-          <a:p>
-            <a:pPr marL="914400" lvl="1" indent="-342900" defTabSz="914400" eaLnBrk="1" hangingPunct="1">
-              <a:lnSpc>
-                <a:spcPct val="90000"/>
-              </a:lnSpc>
-              <a:buFont typeface="Arial" panose="020B0604020202020204" pitchFamily="34" charset="0"/>
-              <a:buChar char="•"/>
-            </a:pPr>
-            <a:r>
-              <a:rPr lang="en-US" sz="2000" dirty="0">
-                <a:solidFill>
-                  <a:srgbClr val="404040"/>
-                </a:solidFill>
-                <a:ea typeface="+mn-ea"/>
-              </a:rPr>
-              <a:t>Bivariate</a:t>
-            </a:r>
-          </a:p>
-          <a:p>
-            <a:pPr marL="914400" lvl="1" indent="-342900" defTabSz="914400" eaLnBrk="1" hangingPunct="1">
-              <a:lnSpc>
-                <a:spcPct val="90000"/>
-              </a:lnSpc>
-              <a:buFont typeface="Arial" panose="020B0604020202020204" pitchFamily="34" charset="0"/>
-              <a:buChar char="•"/>
-            </a:pPr>
-            <a:r>
-              <a:rPr lang="en-US" sz="2000" dirty="0">
-                <a:solidFill>
-                  <a:srgbClr val="404040"/>
-                </a:solidFill>
-                <a:ea typeface="+mn-ea"/>
-              </a:rPr>
-              <a:t>Mixtures of Categorical and Numeric</a:t>
-            </a:r>
-          </a:p>
-          <a:p>
             <a:pPr marL="514350" defTabSz="914400" eaLnBrk="1" hangingPunct="1">
               <a:lnSpc>
                 <a:spcPct val="90000"/>
@@ -12310,43 +12582,7 @@
             </a:r>
           </a:p>
           <a:p>
-            <a:pPr marL="914400" lvl="1" defTabSz="914400" eaLnBrk="1" hangingPunct="1">
-              <a:lnSpc>
-                <a:spcPct val="90000"/>
-              </a:lnSpc>
-              <a:buFont typeface="Arial" panose="020B0604020202020204" pitchFamily="34" charset="0"/>
-              <a:buChar char="•"/>
-            </a:pPr>
-            <a:r>
-              <a:rPr lang="en-US" sz="2000" dirty="0">
-                <a:solidFill>
-                  <a:srgbClr val="404040"/>
-                </a:solidFill>
-                <a:ea typeface="+mn-ea"/>
-              </a:rPr>
-              <a:t>The </a:t>
-            </a:r>
-            <a:r>
-              <a:rPr lang="en-US" sz="2000" dirty="0" err="1">
-                <a:solidFill>
-                  <a:srgbClr val="404040"/>
-                </a:solidFill>
-                <a:ea typeface="+mn-ea"/>
-              </a:rPr>
-              <a:t>geom</a:t>
-            </a:r>
-            <a:r>
-              <a:rPr lang="en-US" sz="2000" dirty="0">
-                <a:solidFill>
-                  <a:srgbClr val="404040"/>
-                </a:solidFill>
-                <a:ea typeface="+mn-ea"/>
-              </a:rPr>
-              <a:t> you choose has to comply with the type of variables you are analyzing</a:t>
-            </a:r>
-          </a:p>
-          <a:p>
-            <a:pPr marL="114300" indent="0" defTabSz="914400" eaLnBrk="1" hangingPunct="1">
+            <a:pPr marL="171450" indent="0" defTabSz="914400" eaLnBrk="1" hangingPunct="1">
               <a:lnSpc>
                 <a:spcPct val="90000"/>
               </a:lnSpc>
@@ -12357,22 +12593,6 @@
                 <a:srgbClr val="404040"/>
               </a:solidFill>
               <a:ea typeface="+mn-ea"/>
-            </a:endParaRPr>
-          </a:p>
-          <a:p>
-            <a:pPr indent="-228600" defTabSz="914400" eaLnBrk="1" hangingPunct="1">
-              <a:lnSpc>
-                <a:spcPct val="90000"/>
-              </a:lnSpc>
-              <a:buFont typeface="Arial" panose="020B0604020202020204" pitchFamily="34" charset="0"/>
-              <a:buChar char="•"/>
-            </a:pPr>
-            <a:endParaRPr lang="en-US" sz="2400" dirty="0">
-              <a:solidFill>
-                <a:srgbClr val="404040"/>
-              </a:solidFill>
-              <a:ea typeface="+mn-ea"/>
-              <a:cs typeface="+mn-cs"/>
             </a:endParaRPr>
           </a:p>
           <a:p>
@@ -12391,32 +12611,6 @@
             </a:endParaRPr>
           </a:p>
           <a:p>
-            <a:pPr lvl="1" indent="-228600" defTabSz="914400" eaLnBrk="1" hangingPunct="1">
-              <a:lnSpc>
-                <a:spcPct val="90000"/>
-              </a:lnSpc>
-              <a:buFont typeface="Arial" panose="020B0604020202020204" pitchFamily="34" charset="0"/>
-              <a:buChar char="•"/>
-            </a:pPr>
-            <a:r>
-              <a:rPr lang="en-US" sz="2000" dirty="0">
-                <a:solidFill>
-                  <a:srgbClr val="404040"/>
-                </a:solidFill>
-                <a:ea typeface="+mn-ea"/>
-                <a:cs typeface="+mn-cs"/>
-              </a:rPr>
-              <a:t>Fill in blanks from dataset</a:t>
-            </a:r>
-            <a:endParaRPr lang="en-US" sz="2400" dirty="0">
-              <a:solidFill>
-                <a:srgbClr val="404040"/>
-              </a:solidFill>
-              <a:ea typeface="+mn-ea"/>
-              <a:cs typeface="+mn-cs"/>
-            </a:endParaRPr>
-          </a:p>
-          <a:p>
             <a:pPr marL="114300" indent="0" defTabSz="914400" eaLnBrk="1" hangingPunct="1">
               <a:lnSpc>
                 <a:spcPct val="90000"/>
@@ -12494,8 +12688,8 @@
         </p:nvSpPr>
         <p:spPr>
           <a:xfrm>
-            <a:off x="795780" y="4655402"/>
-            <a:ext cx="8077198" cy="830997"/>
+            <a:off x="3632496" y="2057400"/>
+            <a:ext cx="5359103" cy="707886"/>
           </a:xfrm>
           <a:prstGeom prst="rect">
             <a:avLst/>
@@ -12503,6 +12697,11 @@
           <a:solidFill>
             <a:srgbClr val="404040"/>
           </a:solidFill>
+          <a:ln>
+            <a:solidFill>
+              <a:srgbClr val="404040"/>
+            </a:solidFill>
+          </a:ln>
         </p:spPr>
         <p:style>
           <a:lnRef idx="2">
@@ -12527,7 +12726,7 @@
           <a:lstStyle/>
           <a:p>
             <a:r>
-              <a:rPr lang="en-US" dirty="0">
+              <a:rPr lang="en-US" sz="2000" dirty="0">
                 <a:solidFill>
                   <a:schemeClr val="bg1"/>
                 </a:solidFill>
@@ -12535,7 +12734,7 @@
               <a:t>&gt; </a:t>
             </a:r>
             <a:r>
-              <a:rPr lang="en-US" dirty="0" err="1">
+              <a:rPr lang="en-US" sz="2000" dirty="0" err="1">
                 <a:solidFill>
                   <a:schemeClr val="bg1"/>
                 </a:solidFill>
@@ -12543,18 +12742,25 @@
               <a:t>ggplot</a:t>
             </a:r>
             <a:r>
-              <a:rPr lang="en-US" dirty="0">
+              <a:rPr lang="en-US" sz="2000" dirty="0">
                 <a:solidFill>
                   <a:schemeClr val="bg1"/>
                 </a:solidFill>
               </a:rPr>
-              <a:t>(data=DATA) +</a:t>
-            </a:r>
-          </a:p>
-          <a:p>
-            <a:pPr lvl="1"/>
-            <a:r>
-              <a:rPr lang="en-US" dirty="0" err="1">
+              <a:t>(data=_____) +   </a:t>
+            </a:r>
+          </a:p>
+          <a:p>
+            <a:r>
+              <a:rPr lang="en-US" sz="2000" dirty="0">
+                <a:solidFill>
+                  <a:schemeClr val="bg1"/>
+                </a:solidFill>
+              </a:rPr>
+              <a:t>      </a:t>
+            </a:r>
+            <a:r>
+              <a:rPr lang="en-US" sz="2000" dirty="0" err="1">
                 <a:solidFill>
                   <a:schemeClr val="bg1"/>
                 </a:solidFill>
@@ -12562,7 +12768,7 @@
               <a:t>geom_TYPE</a:t>
             </a:r>
             <a:r>
-              <a:rPr lang="en-US" dirty="0">
+              <a:rPr lang="en-US" sz="2000" dirty="0">
                 <a:solidFill>
                   <a:schemeClr val="bg1"/>
                 </a:solidFill>
@@ -12570,7 +12776,7 @@
               <a:t>(mapping=</a:t>
             </a:r>
             <a:r>
-              <a:rPr lang="en-US" dirty="0" err="1">
+              <a:rPr lang="en-US" sz="2000" dirty="0" err="1">
                 <a:solidFill>
                   <a:schemeClr val="bg1"/>
                 </a:solidFill>
@@ -12578,32 +12784,170 @@
               <a:t>aes</a:t>
             </a:r>
             <a:r>
-              <a:rPr lang="en-US" dirty="0">
+              <a:rPr lang="en-US" sz="2000" dirty="0">
                 <a:solidFill>
                   <a:schemeClr val="bg1"/>
                 </a:solidFill>
               </a:rPr>
-              <a:t>(x=</a:t>
-            </a:r>
-            <a:r>
-              <a:rPr lang="en-US" dirty="0" err="1">
-                <a:solidFill>
-                  <a:schemeClr val="bg1"/>
+              <a:t>(x=___,y=____, etc.))</a:t>
+            </a:r>
+          </a:p>
+        </p:txBody>
+      </p:sp>
+      <p:sp>
+        <p:nvSpPr>
+          <p:cNvPr id="9" name="TextBox 8">
+            <a:extLst>
+              <a:ext uri="{FF2B5EF4-FFF2-40B4-BE49-F238E27FC236}">
+                <a16:creationId xmlns:a16="http://schemas.microsoft.com/office/drawing/2014/main" id="{62AE8C4E-7E4F-43A4-A9A6-308FFBECA2F7}"/>
+              </a:ext>
+            </a:extLst>
+          </p:cNvPr>
+          <p:cNvSpPr txBox="1"/>
+          <p:nvPr/>
+        </p:nvSpPr>
+        <p:spPr>
+          <a:xfrm>
+            <a:off x="7086600" y="2916763"/>
+            <a:ext cx="1752600" cy="923330"/>
+          </a:xfrm>
+          <a:prstGeom prst="rect">
+            <a:avLst/>
+          </a:prstGeom>
+          <a:solidFill>
+            <a:schemeClr val="bg1">
+              <a:lumMod val="85000"/>
+            </a:schemeClr>
+          </a:solidFill>
+        </p:spPr>
+        <p:style>
+          <a:lnRef idx="2">
+            <a:schemeClr val="dk1"/>
+          </a:lnRef>
+          <a:fillRef idx="1">
+            <a:schemeClr val="lt1"/>
+          </a:fillRef>
+          <a:effectRef idx="0">
+            <a:schemeClr val="dk1"/>
+          </a:effectRef>
+          <a:fontRef idx="minor">
+            <a:schemeClr val="dk1"/>
+          </a:fontRef>
+        </p:style>
+        <p:txBody>
+          <a:bodyPr wrap="square" rtlCol="0">
+            <a:spAutoFit/>
+          </a:bodyPr>
+          <a:lstStyle/>
+          <a:p>
+            <a:pPr defTabSz="914400" eaLnBrk="1" hangingPunct="1">
+              <a:lnSpc>
+                <a:spcPct val="90000"/>
+              </a:lnSpc>
+            </a:pPr>
+            <a:r>
+              <a:rPr lang="en-US" sz="2000" dirty="0">
+                <a:solidFill>
+                  <a:srgbClr val="404040"/>
                 </a:solidFill>
               </a:rPr>
-              <a:t>XVAR,y</a:t>
-            </a:r>
-            <a:r>
-              <a:rPr lang="en-US" dirty="0">
-                <a:solidFill>
-                  <a:schemeClr val="bg1"/>
+              <a:t>Fill in Blanks from Variables in Data</a:t>
+            </a:r>
+          </a:p>
+        </p:txBody>
+      </p:sp>
+      <p:sp>
+        <p:nvSpPr>
+          <p:cNvPr id="12" name="TextBox 11">
+            <a:extLst>
+              <a:ext uri="{FF2B5EF4-FFF2-40B4-BE49-F238E27FC236}">
+                <a16:creationId xmlns:a16="http://schemas.microsoft.com/office/drawing/2014/main" id="{F0A2B742-2F96-4711-90D4-18CBE0DE0243}"/>
+              </a:ext>
+            </a:extLst>
+          </p:cNvPr>
+          <p:cNvSpPr txBox="1"/>
+          <p:nvPr/>
+        </p:nvSpPr>
+        <p:spPr>
+          <a:xfrm>
+            <a:off x="3632494" y="1261694"/>
+            <a:ext cx="2133600" cy="646331"/>
+          </a:xfrm>
+          <a:prstGeom prst="rect">
+            <a:avLst/>
+          </a:prstGeom>
+          <a:solidFill>
+            <a:schemeClr val="bg1">
+              <a:lumMod val="85000"/>
+            </a:schemeClr>
+          </a:solidFill>
+        </p:spPr>
+        <p:style>
+          <a:lnRef idx="2">
+            <a:schemeClr val="dk1"/>
+          </a:lnRef>
+          <a:fillRef idx="1">
+            <a:schemeClr val="lt1"/>
+          </a:fillRef>
+          <a:effectRef idx="0">
+            <a:schemeClr val="dk1"/>
+          </a:effectRef>
+          <a:fontRef idx="minor">
+            <a:schemeClr val="dk1"/>
+          </a:fontRef>
+        </p:style>
+        <p:txBody>
+          <a:bodyPr wrap="square" rtlCol="0">
+            <a:spAutoFit/>
+          </a:bodyPr>
+          <a:lstStyle/>
+          <a:p>
+            <a:pPr defTabSz="914400" eaLnBrk="1" hangingPunct="1">
+              <a:lnSpc>
+                <a:spcPct val="90000"/>
+              </a:lnSpc>
+            </a:pPr>
+            <a:r>
+              <a:rPr lang="en-US" sz="2000" dirty="0">
+                <a:solidFill>
+                  <a:srgbClr val="404040"/>
                 </a:solidFill>
               </a:rPr>
-              <a:t>=YVAR, etc.))</a:t>
-            </a:r>
-          </a:p>
-        </p:txBody>
-      </p:sp>
+              <a:t>Fill in Blank With Name of Data in R</a:t>
+            </a:r>
+          </a:p>
+        </p:txBody>
+      </p:sp>
+      <p:pic>
+        <p:nvPicPr>
+          <p:cNvPr id="14" name="Picture 13">
+            <a:extLst>
+              <a:ext uri="{FF2B5EF4-FFF2-40B4-BE49-F238E27FC236}">
+                <a16:creationId xmlns:a16="http://schemas.microsoft.com/office/drawing/2014/main" id="{9EE8B894-09D4-4E5A-96AF-D4E821F0B99F}"/>
+              </a:ext>
+            </a:extLst>
+          </p:cNvPr>
+          <p:cNvPicPr>
+            <a:picLocks noChangeAspect="1"/>
+          </p:cNvPicPr>
+          <p:nvPr/>
+        </p:nvPicPr>
+        <p:blipFill rotWithShape="1">
+          <a:blip r:embed="rId3"/>
+          <a:srcRect l="8000" r="9400"/>
+          <a:stretch/>
+        </p:blipFill>
+        <p:spPr>
+          <a:xfrm>
+            <a:off x="660103" y="3048000"/>
+            <a:ext cx="2167974" cy="2624666"/>
+          </a:xfrm>
+          <a:prstGeom prst="rect">
+            <a:avLst/>
+          </a:prstGeom>
+          <a:noFill/>
+        </p:spPr>
+      </p:pic>
     </p:spTree>
     <p:custDataLst>
       <p:tags r:id="rId1"/>
@@ -12758,36 +13102,6 @@
           </a:p>
         </p:txBody>
       </p:sp>
-      <p:pic>
-        <p:nvPicPr>
-          <p:cNvPr id="8" name="Picture 7">
-            <a:extLst>
-              <a:ext uri="{FF2B5EF4-FFF2-40B4-BE49-F238E27FC236}">
-                <a16:creationId xmlns:a16="http://schemas.microsoft.com/office/drawing/2014/main" id="{521D4292-9ECC-4DA5-8CC0-C561A0DA118E}"/>
-              </a:ext>
-            </a:extLst>
-          </p:cNvPr>
-          <p:cNvPicPr>
-            <a:picLocks noChangeAspect="1"/>
-          </p:cNvPicPr>
-          <p:nvPr/>
-        </p:nvPicPr>
-        <p:blipFill rotWithShape="1">
-          <a:blip r:embed="rId3"/>
-          <a:srcRect l="8000" r="9400"/>
-          <a:stretch/>
-        </p:blipFill>
-        <p:spPr>
-          <a:xfrm>
-            <a:off x="1114678" y="2590800"/>
-            <a:ext cx="1258824" cy="1524000"/>
-          </a:xfrm>
-          <a:prstGeom prst="rect">
-            <a:avLst/>
-          </a:prstGeom>
-          <a:noFill/>
-        </p:spPr>
-      </p:pic>
       <p:sp>
         <p:nvSpPr>
           <p:cNvPr id="10" name="Content Placeholder 2">
@@ -13315,6 +13629,36 @@
           </a:p>
         </p:txBody>
       </p:sp>
+      <p:pic>
+        <p:nvPicPr>
+          <p:cNvPr id="9" name="Picture 8">
+            <a:extLst>
+              <a:ext uri="{FF2B5EF4-FFF2-40B4-BE49-F238E27FC236}">
+                <a16:creationId xmlns:a16="http://schemas.microsoft.com/office/drawing/2014/main" id="{3CCD5388-C00A-4917-8C49-59A3C60590E8}"/>
+              </a:ext>
+            </a:extLst>
+          </p:cNvPr>
+          <p:cNvPicPr>
+            <a:picLocks noChangeAspect="1"/>
+          </p:cNvPicPr>
+          <p:nvPr/>
+        </p:nvPicPr>
+        <p:blipFill rotWithShape="1">
+          <a:blip r:embed="rId3"/>
+          <a:srcRect l="8000" r="9400"/>
+          <a:stretch/>
+        </p:blipFill>
+        <p:spPr>
+          <a:xfrm>
+            <a:off x="660103" y="3048000"/>
+            <a:ext cx="2167974" cy="2624666"/>
+          </a:xfrm>
+          <a:prstGeom prst="rect">
+            <a:avLst/>
+          </a:prstGeom>
+          <a:noFill/>
+        </p:spPr>
+      </p:pic>
     </p:spTree>
     <p:custDataLst>
       <p:tags r:id="rId1"/>
